--- a/Pitch_G6_Louvre1.pptx
+++ b/Pitch_G6_Louvre1.pptx
@@ -6,7 +6,7 @@
     <p:sldMasterId id="2147483675" r:id="rId2"/>
   </p:sldMasterIdLst>
   <p:notesMasterIdLst>
-    <p:notesMasterId r:id="rId13"/>
+    <p:notesMasterId r:id="rId14"/>
   </p:notesMasterIdLst>
   <p:sldIdLst>
     <p:sldId id="256" r:id="rId3"/>
@@ -16,9 +16,10 @@
     <p:sldId id="259" r:id="rId7"/>
     <p:sldId id="260" r:id="rId8"/>
     <p:sldId id="261" r:id="rId9"/>
-    <p:sldId id="262" r:id="rId10"/>
-    <p:sldId id="263" r:id="rId11"/>
-    <p:sldId id="264" r:id="rId12"/>
+    <p:sldId id="268" r:id="rId10"/>
+    <p:sldId id="262" r:id="rId11"/>
+    <p:sldId id="263" r:id="rId12"/>
+    <p:sldId id="264" r:id="rId13"/>
   </p:sldIdLst>
   <p:sldSz cx="9144000" cy="5143500" type="screen16x9"/>
   <p:notesSz cx="6858000" cy="9144000"/>
@@ -13955,6 +13956,166 @@
   <p:cSld>
     <p:spTree>
       <p:nvGrpSpPr>
+        <p:cNvPr id="1" name="Shape 192"/>
+        <p:cNvGrpSpPr/>
+        <p:nvPr/>
+      </p:nvGrpSpPr>
+      <p:grpSpPr>
+        <a:xfrm>
+          <a:off x="0" y="0"/>
+          <a:ext cx="0" cy="0"/>
+          <a:chOff x="0" y="0"/>
+          <a:chExt cx="0" cy="0"/>
+        </a:xfrm>
+      </p:grpSpPr>
+      <p:pic>
+        <p:nvPicPr>
+          <p:cNvPr id="193" name="Google Shape;193;p36"/>
+          <p:cNvPicPr preferRelativeResize="0"/>
+          <p:nvPr/>
+        </p:nvPicPr>
+        <p:blipFill rotWithShape="1">
+          <a:blip r:embed="rId3">
+            <a:alphaModFix/>
+          </a:blip>
+          <a:srcRect/>
+          <a:stretch/>
+        </p:blipFill>
+        <p:spPr>
+          <a:xfrm>
+            <a:off x="0" y="-2250"/>
+            <a:ext cx="9144000" cy="2574000"/>
+          </a:xfrm>
+          <a:prstGeom prst="rect">
+            <a:avLst/>
+          </a:prstGeom>
+          <a:solidFill>
+            <a:schemeClr val="accent1">
+              <a:alpha val="60780"/>
+            </a:schemeClr>
+          </a:solidFill>
+          <a:ln>
+            <a:noFill/>
+          </a:ln>
+        </p:spPr>
+      </p:pic>
+      <p:sp>
+        <p:nvSpPr>
+          <p:cNvPr id="194" name="Google Shape;194;p36"/>
+          <p:cNvSpPr/>
+          <p:nvPr/>
+        </p:nvSpPr>
+        <p:spPr>
+          <a:xfrm>
+            <a:off x="0" y="-2250"/>
+            <a:ext cx="9144000" cy="2574000"/>
+          </a:xfrm>
+          <a:prstGeom prst="rect">
+            <a:avLst/>
+          </a:prstGeom>
+          <a:solidFill>
+            <a:schemeClr val="accent1">
+              <a:alpha val="60780"/>
+            </a:schemeClr>
+          </a:solidFill>
+          <a:ln>
+            <a:noFill/>
+          </a:ln>
+        </p:spPr>
+        <p:txBody>
+          <a:bodyPr spcFirstLastPara="1" wrap="square" lIns="91425" tIns="45700" rIns="91425" bIns="45700" anchor="ctr" anchorCtr="0">
+            <a:noAutofit/>
+          </a:bodyPr>
+          <a:lstStyle/>
+          <a:p>
+            <a:pPr marL="0" marR="0" lvl="0" indent="0" algn="ctr" rtl="0">
+              <a:spcBef>
+                <a:spcPts val="0"/>
+              </a:spcBef>
+              <a:spcAft>
+                <a:spcPts val="0"/>
+              </a:spcAft>
+              <a:buNone/>
+            </a:pPr>
+            <a:endParaRPr sz="1800" b="0" i="0" u="none" strike="noStrike" cap="none">
+              <a:solidFill>
+                <a:schemeClr val="lt1"/>
+              </a:solidFill>
+              <a:latin typeface="Calibri"/>
+              <a:ea typeface="Calibri"/>
+              <a:cs typeface="Calibri"/>
+              <a:sym typeface="Calibri"/>
+            </a:endParaRPr>
+          </a:p>
+        </p:txBody>
+      </p:sp>
+      <p:sp>
+        <p:nvSpPr>
+          <p:cNvPr id="195" name="Google Shape;195;p36"/>
+          <p:cNvSpPr txBox="1">
+            <a:spLocks noGrp="1"/>
+          </p:cNvSpPr>
+          <p:nvPr>
+            <p:ph type="title"/>
+          </p:nvPr>
+        </p:nvSpPr>
+        <p:spPr>
+          <a:xfrm>
+            <a:off x="539750" y="1011286"/>
+            <a:ext cx="4392000" cy="277200"/>
+          </a:xfrm>
+          <a:prstGeom prst="rect">
+            <a:avLst/>
+          </a:prstGeom>
+          <a:noFill/>
+          <a:ln>
+            <a:noFill/>
+          </a:ln>
+        </p:spPr>
+        <p:txBody>
+          <a:bodyPr spcFirstLastPara="1" wrap="square" lIns="0" tIns="0" rIns="0" bIns="0" anchor="t" anchorCtr="0">
+            <a:spAutoFit/>
+          </a:bodyPr>
+          <a:lstStyle/>
+          <a:p>
+            <a:pPr marL="0" lvl="0" indent="0" algn="l" rtl="0">
+              <a:lnSpc>
+                <a:spcPct val="106250"/>
+              </a:lnSpc>
+              <a:spcBef>
+                <a:spcPts val="0"/>
+              </a:spcBef>
+              <a:spcAft>
+                <a:spcPts val="0"/>
+              </a:spcAft>
+              <a:buClr>
+                <a:schemeClr val="lt1"/>
+              </a:buClr>
+              <a:buSzPts val="3200"/>
+              <a:buFont typeface="Arial"/>
+              <a:buNone/>
+            </a:pPr>
+            <a:r>
+              <a:rPr lang="en"/>
+              <a:t>Vielen Dank.</a:t>
+            </a:r>
+            <a:endParaRPr/>
+          </a:p>
+        </p:txBody>
+      </p:sp>
+    </p:spTree>
+  </p:cSld>
+  <p:clrMapOvr>
+    <a:masterClrMapping/>
+  </p:clrMapOvr>
+</p:sld>
+</file>
+
+<file path=ppt/slides/slide11.xml><?xml version="1.0" encoding="utf-8"?>
+<p:sld xmlns:a="http://schemas.openxmlformats.org/drawingml/2006/main" xmlns:r="http://schemas.openxmlformats.org/officeDocument/2006/relationships" xmlns:p="http://schemas.openxmlformats.org/presentationml/2006/main">
+  <p:cSld>
+    <p:spTree>
+      <p:nvGrpSpPr>
         <p:cNvPr id="1" name="Shape 199"/>
         <p:cNvGrpSpPr/>
         <p:nvPr/>
@@ -15753,7 +15914,46 @@
       </p:sp>
       <p:sp>
         <p:nvSpPr>
-          <p:cNvPr id="175" name="Google Shape;175;p34"/>
+          <p:cNvPr id="7" name="Titel 6">
+            <a:extLst>
+              <a:ext uri="{FF2B5EF4-FFF2-40B4-BE49-F238E27FC236}">
+                <a16:creationId xmlns:a16="http://schemas.microsoft.com/office/drawing/2014/main" id="{53CE3E37-537A-2615-CECD-1A7C4DBE6B09}"/>
+              </a:ext>
+            </a:extLst>
+          </p:cNvPr>
+          <p:cNvSpPr>
+            <a:spLocks noGrp="1"/>
+          </p:cNvSpPr>
+          <p:nvPr>
+            <p:ph type="title"/>
+          </p:nvPr>
+        </p:nvSpPr>
+        <p:spPr>
+          <a:xfrm>
+            <a:off x="539750" y="456400"/>
+            <a:ext cx="4788154" cy="326243"/>
+          </a:xfrm>
+        </p:spPr>
+        <p:txBody>
+          <a:bodyPr/>
+          <a:lstStyle/>
+          <a:p>
+            <a:r>
+              <a:rPr lang="de-DE" sz="2000" b="1" dirty="0"/>
+              <a:t>JSON-Import</a:t>
+            </a:r>
+          </a:p>
+        </p:txBody>
+      </p:sp>
+      <p:sp>
+        <p:nvSpPr>
+          <p:cNvPr id="18" name="Google Shape;130;p30">
+            <a:extLst>
+              <a:ext uri="{FF2B5EF4-FFF2-40B4-BE49-F238E27FC236}">
+                <a16:creationId xmlns:a16="http://schemas.microsoft.com/office/drawing/2014/main" id="{183585F4-3165-BD0F-0438-0078CE871A34}"/>
+              </a:ext>
+            </a:extLst>
+          </p:cNvPr>
           <p:cNvSpPr txBox="1">
             <a:spLocks noGrp="1"/>
           </p:cNvSpPr>
@@ -15763,8 +15963,8 @@
         </p:nvSpPr>
         <p:spPr>
           <a:xfrm>
-            <a:off x="540000" y="900750"/>
-            <a:ext cx="4649100" cy="3206400"/>
+            <a:off x="540000" y="922250"/>
+            <a:ext cx="7918200" cy="3190500"/>
           </a:xfrm>
           <a:prstGeom prst="rect">
             <a:avLst/>
@@ -15780,57 +15980,65 @@
           </a:bodyPr>
           <a:lstStyle/>
           <a:p>
-            <a:pPr marL="457200" lvl="0" indent="-323850" algn="l" rtl="0">
+            <a:pPr marL="419100" lvl="0" indent="-285750" algn="l" rtl="0">
               <a:spcBef>
                 <a:spcPts val="600"/>
               </a:spcBef>
               <a:spcAft>
                 <a:spcPts val="0"/>
               </a:spcAft>
-              <a:buClr>
-                <a:srgbClr val="000000"/>
-              </a:buClr>
               <a:buSzPts val="1500"/>
-              <a:buChar char="●"/>
+              <a:buFont typeface="Wingdings" panose="05000000000000000000" pitchFamily="2" charset="2"/>
+              <a:buChar char="v"/>
             </a:pPr>
-            <a:r>
-              <a:rPr lang="de-DE" sz="1500" dirty="0">
-                <a:solidFill>
-                  <a:schemeClr val="dk1"/>
-                </a:solidFill>
-                <a:highlight>
-                  <a:srgbClr val="76B900"/>
-                </a:highlight>
-              </a:rPr>
-              <a:t>JSON?</a:t>
-            </a:r>
-            <a:endParaRPr sz="1500" dirty="0">
-              <a:solidFill>
-                <a:schemeClr val="dk1"/>
-              </a:solidFill>
-              <a:highlight>
-                <a:srgbClr val="76B900"/>
-              </a:highlight>
-            </a:endParaRPr>
+            <a:endParaRPr lang="de-DE" sz="1500" dirty="0"/>
           </a:p>
           <a:p>
-            <a:pPr marL="0" lvl="0" indent="0" algn="l" rtl="0">
+            <a:pPr marL="419100" lvl="0" indent="-285750" algn="l" rtl="0">
               <a:spcBef>
                 <a:spcPts val="600"/>
               </a:spcBef>
               <a:spcAft>
                 <a:spcPts val="0"/>
               </a:spcAft>
-              <a:buNone/>
+              <a:buSzPts val="1500"/>
+              <a:buFont typeface="Wingdings" panose="05000000000000000000" pitchFamily="2" charset="2"/>
+              <a:buChar char="v"/>
             </a:pPr>
-            <a:endParaRPr sz="1500" dirty="0">
-              <a:highlight>
-                <a:srgbClr val="76B900"/>
-              </a:highlight>
-            </a:endParaRPr>
+            <a:endParaRPr sz="1500" dirty="0"/>
           </a:p>
         </p:txBody>
       </p:sp>
+      <p:pic>
+        <p:nvPicPr>
+          <p:cNvPr id="19" name="Grafik 18" descr="Ein Bild, das Text enthält.&#10;&#10;Automatisch generierte Beschreibung">
+            <a:extLst>
+              <a:ext uri="{FF2B5EF4-FFF2-40B4-BE49-F238E27FC236}">
+                <a16:creationId xmlns:a16="http://schemas.microsoft.com/office/drawing/2014/main" id="{9E9B32C8-9ABA-61F9-57B7-F8E55E79D818}"/>
+              </a:ext>
+            </a:extLst>
+          </p:cNvPr>
+          <p:cNvPicPr>
+            <a:picLocks noChangeAspect="1"/>
+          </p:cNvPicPr>
+          <p:nvPr/>
+        </p:nvPicPr>
+        <p:blipFill>
+          <a:blip r:embed="rId3"/>
+          <a:stretch>
+            <a:fillRect/>
+          </a:stretch>
+        </p:blipFill>
+        <p:spPr>
+          <a:xfrm>
+            <a:off x="0" y="1196837"/>
+            <a:ext cx="9144000" cy="2749826"/>
+          </a:xfrm>
+          <a:prstGeom prst="rect">
+            <a:avLst/>
+          </a:prstGeom>
+        </p:spPr>
+      </p:pic>
     </p:spTree>
   </p:cSld>
   <p:clrMapOvr>
@@ -15840,6 +16048,128 @@
 </file>
 
 <file path=ppt/slides/slide8.xml><?xml version="1.0" encoding="utf-8"?>
+<p:sld xmlns:a="http://schemas.openxmlformats.org/drawingml/2006/main" xmlns:r="http://schemas.openxmlformats.org/officeDocument/2006/relationships" xmlns:p="http://schemas.openxmlformats.org/presentationml/2006/main">
+  <p:cSld>
+    <p:spTree>
+      <p:nvGrpSpPr>
+        <p:cNvPr id="1" name=""/>
+        <p:cNvGrpSpPr/>
+        <p:nvPr/>
+      </p:nvGrpSpPr>
+      <p:grpSpPr>
+        <a:xfrm>
+          <a:off x="0" y="0"/>
+          <a:ext cx="0" cy="0"/>
+          <a:chOff x="0" y="0"/>
+          <a:chExt cx="0" cy="0"/>
+        </a:xfrm>
+      </p:grpSpPr>
+      <p:sp>
+        <p:nvSpPr>
+          <p:cNvPr id="3" name="Titel 2">
+            <a:extLst>
+              <a:ext uri="{FF2B5EF4-FFF2-40B4-BE49-F238E27FC236}">
+                <a16:creationId xmlns:a16="http://schemas.microsoft.com/office/drawing/2014/main" id="{F608B949-F86E-94AA-F9D1-D357C7D71D0B}"/>
+              </a:ext>
+            </a:extLst>
+          </p:cNvPr>
+          <p:cNvSpPr>
+            <a:spLocks noGrp="1"/>
+          </p:cNvSpPr>
+          <p:nvPr>
+            <p:ph type="title"/>
+          </p:nvPr>
+        </p:nvSpPr>
+        <p:spPr>
+          <a:xfrm>
+            <a:off x="813534" y="248410"/>
+            <a:ext cx="4661400" cy="293607"/>
+          </a:xfrm>
+        </p:spPr>
+        <p:txBody>
+          <a:bodyPr/>
+          <a:lstStyle/>
+          <a:p>
+            <a:r>
+              <a:rPr lang="de-DE" dirty="0" err="1"/>
+              <a:t>Result</a:t>
+            </a:r>
+            <a:r>
+              <a:rPr lang="de-DE" dirty="0"/>
+              <a:t>:</a:t>
+            </a:r>
+          </a:p>
+        </p:txBody>
+      </p:sp>
+      <p:sp>
+        <p:nvSpPr>
+          <p:cNvPr id="4" name="Textplatzhalter 3">
+            <a:extLst>
+              <a:ext uri="{FF2B5EF4-FFF2-40B4-BE49-F238E27FC236}">
+                <a16:creationId xmlns:a16="http://schemas.microsoft.com/office/drawing/2014/main" id="{D91F8B74-1064-80AA-E705-41EDDF94703D}"/>
+              </a:ext>
+            </a:extLst>
+          </p:cNvPr>
+          <p:cNvSpPr>
+            <a:spLocks noGrp="1"/>
+          </p:cNvSpPr>
+          <p:nvPr>
+            <p:ph type="body" idx="1"/>
+          </p:nvPr>
+        </p:nvSpPr>
+        <p:spPr/>
+        <p:txBody>
+          <a:bodyPr/>
+          <a:lstStyle/>
+          <a:p>
+            <a:endParaRPr lang="de-DE"/>
+          </a:p>
+        </p:txBody>
+      </p:sp>
+      <p:pic>
+        <p:nvPicPr>
+          <p:cNvPr id="10" name="Grafik 9" descr="Ein Bild, das Text enthält.&#10;&#10;Automatisch generierte Beschreibung">
+            <a:extLst>
+              <a:ext uri="{FF2B5EF4-FFF2-40B4-BE49-F238E27FC236}">
+                <a16:creationId xmlns:a16="http://schemas.microsoft.com/office/drawing/2014/main" id="{A32C3AE6-6685-5B5D-B13F-30E900A489E3}"/>
+              </a:ext>
+            </a:extLst>
+          </p:cNvPr>
+          <p:cNvPicPr>
+            <a:picLocks noChangeAspect="1"/>
+          </p:cNvPicPr>
+          <p:nvPr/>
+        </p:nvPicPr>
+        <p:blipFill>
+          <a:blip r:embed="rId2"/>
+          <a:stretch>
+            <a:fillRect/>
+          </a:stretch>
+        </p:blipFill>
+        <p:spPr>
+          <a:xfrm>
+            <a:off x="813534" y="759873"/>
+            <a:ext cx="5339162" cy="4023350"/>
+          </a:xfrm>
+          <a:prstGeom prst="rect">
+            <a:avLst/>
+          </a:prstGeom>
+        </p:spPr>
+      </p:pic>
+    </p:spTree>
+    <p:extLst>
+      <p:ext uri="{BB962C8B-B14F-4D97-AF65-F5344CB8AC3E}">
+        <p14:creationId xmlns:p14="http://schemas.microsoft.com/office/powerpoint/2010/main" val="819627762"/>
+      </p:ext>
+    </p:extLst>
+  </p:cSld>
+  <p:clrMapOvr>
+    <a:masterClrMapping/>
+  </p:clrMapOvr>
+</p:sld>
+</file>
+
+<file path=ppt/slides/slide9.xml><?xml version="1.0" encoding="utf-8"?>
 <p:sld xmlns:a="http://schemas.openxmlformats.org/drawingml/2006/main" xmlns:r="http://schemas.openxmlformats.org/officeDocument/2006/relationships" xmlns:p="http://schemas.openxmlformats.org/presentationml/2006/main">
   <p:cSld>
     <p:spTree>
@@ -15997,7 +16327,7 @@
             </a:pPr>
             <a:fld id="{00000000-1234-1234-1234-123412341234}" type="slidenum">
               <a:rPr lang="en" sz="800"/>
-              <a:t>8</a:t>
+              <a:t>9</a:t>
             </a:fld>
             <a:endParaRPr sz="600"/>
           </a:p>
@@ -16566,166 +16896,6 @@
               <a:rPr lang="de-DE" sz="1500" dirty="0"/>
               <a:t>Beginnen mit Codierung der Datenbank, Implementierung der Daten</a:t>
             </a:r>
-          </a:p>
-        </p:txBody>
-      </p:sp>
-    </p:spTree>
-  </p:cSld>
-  <p:clrMapOvr>
-    <a:masterClrMapping/>
-  </p:clrMapOvr>
-</p:sld>
-</file>
-
-<file path=ppt/slides/slide9.xml><?xml version="1.0" encoding="utf-8"?>
-<p:sld xmlns:a="http://schemas.openxmlformats.org/drawingml/2006/main" xmlns:r="http://schemas.openxmlformats.org/officeDocument/2006/relationships" xmlns:p="http://schemas.openxmlformats.org/presentationml/2006/main">
-  <p:cSld>
-    <p:spTree>
-      <p:nvGrpSpPr>
-        <p:cNvPr id="1" name="Shape 192"/>
-        <p:cNvGrpSpPr/>
-        <p:nvPr/>
-      </p:nvGrpSpPr>
-      <p:grpSpPr>
-        <a:xfrm>
-          <a:off x="0" y="0"/>
-          <a:ext cx="0" cy="0"/>
-          <a:chOff x="0" y="0"/>
-          <a:chExt cx="0" cy="0"/>
-        </a:xfrm>
-      </p:grpSpPr>
-      <p:pic>
-        <p:nvPicPr>
-          <p:cNvPr id="193" name="Google Shape;193;p36"/>
-          <p:cNvPicPr preferRelativeResize="0"/>
-          <p:nvPr/>
-        </p:nvPicPr>
-        <p:blipFill rotWithShape="1">
-          <a:blip r:embed="rId3">
-            <a:alphaModFix/>
-          </a:blip>
-          <a:srcRect/>
-          <a:stretch/>
-        </p:blipFill>
-        <p:spPr>
-          <a:xfrm>
-            <a:off x="0" y="-2250"/>
-            <a:ext cx="9144000" cy="2574000"/>
-          </a:xfrm>
-          <a:prstGeom prst="rect">
-            <a:avLst/>
-          </a:prstGeom>
-          <a:solidFill>
-            <a:schemeClr val="accent1">
-              <a:alpha val="60780"/>
-            </a:schemeClr>
-          </a:solidFill>
-          <a:ln>
-            <a:noFill/>
-          </a:ln>
-        </p:spPr>
-      </p:pic>
-      <p:sp>
-        <p:nvSpPr>
-          <p:cNvPr id="194" name="Google Shape;194;p36"/>
-          <p:cNvSpPr/>
-          <p:nvPr/>
-        </p:nvSpPr>
-        <p:spPr>
-          <a:xfrm>
-            <a:off x="0" y="-2250"/>
-            <a:ext cx="9144000" cy="2574000"/>
-          </a:xfrm>
-          <a:prstGeom prst="rect">
-            <a:avLst/>
-          </a:prstGeom>
-          <a:solidFill>
-            <a:schemeClr val="accent1">
-              <a:alpha val="60780"/>
-            </a:schemeClr>
-          </a:solidFill>
-          <a:ln>
-            <a:noFill/>
-          </a:ln>
-        </p:spPr>
-        <p:txBody>
-          <a:bodyPr spcFirstLastPara="1" wrap="square" lIns="91425" tIns="45700" rIns="91425" bIns="45700" anchor="ctr" anchorCtr="0">
-            <a:noAutofit/>
-          </a:bodyPr>
-          <a:lstStyle/>
-          <a:p>
-            <a:pPr marL="0" marR="0" lvl="0" indent="0" algn="ctr" rtl="0">
-              <a:spcBef>
-                <a:spcPts val="0"/>
-              </a:spcBef>
-              <a:spcAft>
-                <a:spcPts val="0"/>
-              </a:spcAft>
-              <a:buNone/>
-            </a:pPr>
-            <a:endParaRPr sz="1800" b="0" i="0" u="none" strike="noStrike" cap="none">
-              <a:solidFill>
-                <a:schemeClr val="lt1"/>
-              </a:solidFill>
-              <a:latin typeface="Calibri"/>
-              <a:ea typeface="Calibri"/>
-              <a:cs typeface="Calibri"/>
-              <a:sym typeface="Calibri"/>
-            </a:endParaRPr>
-          </a:p>
-        </p:txBody>
-      </p:sp>
-      <p:sp>
-        <p:nvSpPr>
-          <p:cNvPr id="195" name="Google Shape;195;p36"/>
-          <p:cNvSpPr txBox="1">
-            <a:spLocks noGrp="1"/>
-          </p:cNvSpPr>
-          <p:nvPr>
-            <p:ph type="title"/>
-          </p:nvPr>
-        </p:nvSpPr>
-        <p:spPr>
-          <a:xfrm>
-            <a:off x="539750" y="1011286"/>
-            <a:ext cx="4392000" cy="277200"/>
-          </a:xfrm>
-          <a:prstGeom prst="rect">
-            <a:avLst/>
-          </a:prstGeom>
-          <a:noFill/>
-          <a:ln>
-            <a:noFill/>
-          </a:ln>
-        </p:spPr>
-        <p:txBody>
-          <a:bodyPr spcFirstLastPara="1" wrap="square" lIns="0" tIns="0" rIns="0" bIns="0" anchor="t" anchorCtr="0">
-            <a:spAutoFit/>
-          </a:bodyPr>
-          <a:lstStyle/>
-          <a:p>
-            <a:pPr marL="0" lvl="0" indent="0" algn="l" rtl="0">
-              <a:lnSpc>
-                <a:spcPct val="106250"/>
-              </a:lnSpc>
-              <a:spcBef>
-                <a:spcPts val="0"/>
-              </a:spcBef>
-              <a:spcAft>
-                <a:spcPts val="0"/>
-              </a:spcAft>
-              <a:buClr>
-                <a:schemeClr val="lt1"/>
-              </a:buClr>
-              <a:buSzPts val="3200"/>
-              <a:buFont typeface="Arial"/>
-              <a:buNone/>
-            </a:pPr>
-            <a:r>
-              <a:rPr lang="en"/>
-              <a:t>Vielen Dank.</a:t>
-            </a:r>
-            <a:endParaRPr/>
           </a:p>
         </p:txBody>
       </p:sp>

--- a/Pitch_G6_Louvre1.pptx
+++ b/Pitch_G6_Louvre1.pptx
@@ -14,9 +14,9 @@
     <p:sldId id="258" r:id="rId5"/>
     <p:sldId id="267" r:id="rId6"/>
     <p:sldId id="259" r:id="rId7"/>
-    <p:sldId id="260" r:id="rId8"/>
-    <p:sldId id="261" r:id="rId9"/>
-    <p:sldId id="268" r:id="rId10"/>
+    <p:sldId id="269" r:id="rId8"/>
+    <p:sldId id="268" r:id="rId9"/>
+    <p:sldId id="260" r:id="rId10"/>
     <p:sldId id="262" r:id="rId11"/>
     <p:sldId id="263" r:id="rId12"/>
     <p:sldId id="264" r:id="rId13"/>
@@ -1295,110 +1295,6 @@
   <p:cSld>
     <p:spTree>
       <p:nvGrpSpPr>
-        <p:cNvPr id="1" name="Shape 169"/>
-        <p:cNvGrpSpPr/>
-        <p:nvPr/>
-      </p:nvGrpSpPr>
-      <p:grpSpPr>
-        <a:xfrm>
-          <a:off x="0" y="0"/>
-          <a:ext cx="0" cy="0"/>
-          <a:chOff x="0" y="0"/>
-          <a:chExt cx="0" cy="0"/>
-        </a:xfrm>
-      </p:grpSpPr>
-      <p:sp>
-        <p:nvSpPr>
-          <p:cNvPr id="170" name="Google Shape;170;g12eaa84d7ab_0_2:notes"/>
-          <p:cNvSpPr txBox="1">
-            <a:spLocks noGrp="1"/>
-          </p:cNvSpPr>
-          <p:nvPr>
-            <p:ph type="body" idx="1"/>
-          </p:nvPr>
-        </p:nvSpPr>
-        <p:spPr>
-          <a:xfrm>
-            <a:off x="685800" y="4400550"/>
-            <a:ext cx="5486400" cy="3600600"/>
-          </a:xfrm>
-          <a:prstGeom prst="rect">
-            <a:avLst/>
-          </a:prstGeom>
-        </p:spPr>
-        <p:txBody>
-          <a:bodyPr spcFirstLastPara="1" wrap="square" lIns="91425" tIns="91425" rIns="91425" bIns="91425" anchor="t" anchorCtr="0">
-            <a:noAutofit/>
-          </a:bodyPr>
-          <a:lstStyle/>
-          <a:p>
-            <a:pPr marL="0" lvl="0" indent="0" algn="l" rtl="0">
-              <a:spcBef>
-                <a:spcPts val="0"/>
-              </a:spcBef>
-              <a:spcAft>
-                <a:spcPts val="0"/>
-              </a:spcAft>
-              <a:buNone/>
-            </a:pPr>
-            <a:endParaRPr/>
-          </a:p>
-        </p:txBody>
-      </p:sp>
-      <p:sp>
-        <p:nvSpPr>
-          <p:cNvPr id="171" name="Google Shape;171;g12eaa84d7ab_0_2:notes"/>
-          <p:cNvSpPr>
-            <a:spLocks noGrp="1" noRot="1" noChangeAspect="1"/>
-          </p:cNvSpPr>
-          <p:nvPr>
-            <p:ph type="sldImg" idx="2"/>
-          </p:nvPr>
-        </p:nvSpPr>
-        <p:spPr>
-          <a:xfrm>
-            <a:off x="685800" y="1143000"/>
-            <a:ext cx="5486400" cy="3086100"/>
-          </a:xfrm>
-          <a:custGeom>
-            <a:avLst/>
-            <a:gdLst/>
-            <a:ahLst/>
-            <a:cxnLst/>
-            <a:rect l="l" t="t" r="r" b="b"/>
-            <a:pathLst>
-              <a:path w="120000" h="120000" extrusionOk="0">
-                <a:moveTo>
-                  <a:pt x="0" y="0"/>
-                </a:moveTo>
-                <a:lnTo>
-                  <a:pt x="120000" y="0"/>
-                </a:lnTo>
-                <a:lnTo>
-                  <a:pt x="120000" y="120000"/>
-                </a:lnTo>
-                <a:lnTo>
-                  <a:pt x="0" y="120000"/>
-                </a:lnTo>
-                <a:close/>
-              </a:path>
-            </a:pathLst>
-          </a:custGeom>
-        </p:spPr>
-      </p:sp>
-    </p:spTree>
-  </p:cSld>
-  <p:clrMapOvr>
-    <a:masterClrMapping/>
-  </p:clrMapOvr>
-</p:notes>
-</file>
-
-<file path=ppt/notesSlides/notesSlide7.xml><?xml version="1.0" encoding="utf-8"?>
-<p:notes xmlns:a="http://schemas.openxmlformats.org/drawingml/2006/main" xmlns:r="http://schemas.openxmlformats.org/officeDocument/2006/relationships" xmlns:p="http://schemas.openxmlformats.org/presentationml/2006/main" showMasterSp="0" showMasterPhAnim="0">
-  <p:cSld>
-    <p:spTree>
-      <p:nvGrpSpPr>
         <p:cNvPr id="1" name="Shape 176"/>
         <p:cNvGrpSpPr/>
         <p:nvPr/>
@@ -1498,7 +1394,7 @@
 </p:notes>
 </file>
 
-<file path=ppt/notesSlides/notesSlide8.xml><?xml version="1.0" encoding="utf-8"?>
+<file path=ppt/notesSlides/notesSlide7.xml><?xml version="1.0" encoding="utf-8"?>
 <p:notes xmlns:a="http://schemas.openxmlformats.org/drawingml/2006/main" xmlns:r="http://schemas.openxmlformats.org/officeDocument/2006/relationships" xmlns:p="http://schemas.openxmlformats.org/presentationml/2006/main" showMasterSp="0" showMasterPhAnim="0">
   <p:cSld>
     <p:spTree>
@@ -1602,7 +1498,7 @@
 </p:notes>
 </file>
 
-<file path=ppt/notesSlides/notesSlide9.xml><?xml version="1.0" encoding="utf-8"?>
+<file path=ppt/notesSlides/notesSlide8.xml><?xml version="1.0" encoding="utf-8"?>
 <p:notes xmlns:a="http://schemas.openxmlformats.org/drawingml/2006/main" xmlns:r="http://schemas.openxmlformats.org/officeDocument/2006/relationships" xmlns:p="http://schemas.openxmlformats.org/presentationml/2006/main" showMasterSp="0" showMasterPhAnim="0">
   <p:cSld>
     <p:spTree>
@@ -15433,6 +15329,818 @@
   <p:cSld>
     <p:spTree>
       <p:nvGrpSpPr>
+        <p:cNvPr id="1" name=""/>
+        <p:cNvGrpSpPr/>
+        <p:nvPr/>
+      </p:nvGrpSpPr>
+      <p:grpSpPr>
+        <a:xfrm>
+          <a:off x="0" y="0"/>
+          <a:ext cx="0" cy="0"/>
+          <a:chOff x="0" y="0"/>
+          <a:chExt cx="0" cy="0"/>
+        </a:xfrm>
+      </p:grpSpPr>
+      <p:sp>
+        <p:nvSpPr>
+          <p:cNvPr id="3" name="Titel 2">
+            <a:extLst>
+              <a:ext uri="{FF2B5EF4-FFF2-40B4-BE49-F238E27FC236}">
+                <a16:creationId xmlns:a16="http://schemas.microsoft.com/office/drawing/2014/main" id="{749C6BF8-78F6-F452-C424-4A0BBFDC25E1}"/>
+              </a:ext>
+            </a:extLst>
+          </p:cNvPr>
+          <p:cNvSpPr>
+            <a:spLocks noGrp="1"/>
+          </p:cNvSpPr>
+          <p:nvPr>
+            <p:ph type="title"/>
+          </p:nvPr>
+        </p:nvSpPr>
+        <p:spPr>
+          <a:xfrm>
+            <a:off x="378385" y="2090738"/>
+            <a:ext cx="4661400" cy="260969"/>
+          </a:xfrm>
+        </p:spPr>
+        <p:txBody>
+          <a:bodyPr/>
+          <a:lstStyle/>
+          <a:p>
+            <a:r>
+              <a:rPr lang="de-DE" sz="1600" b="1" dirty="0" err="1"/>
+              <a:t>Commands</a:t>
+            </a:r>
+            <a:r>
+              <a:rPr lang="de-DE" sz="1600" b="1" dirty="0"/>
+              <a:t>:</a:t>
+            </a:r>
+          </a:p>
+        </p:txBody>
+      </p:sp>
+      <p:pic>
+        <p:nvPicPr>
+          <p:cNvPr id="5" name="Grafik 4" descr="Ein Bild, das Text enthält.&#10;&#10;Automatisch generierte Beschreibung">
+            <a:extLst>
+              <a:ext uri="{FF2B5EF4-FFF2-40B4-BE49-F238E27FC236}">
+                <a16:creationId xmlns:a16="http://schemas.microsoft.com/office/drawing/2014/main" id="{661411D7-3D46-4C8E-C2A6-9116226E1A0D}"/>
+              </a:ext>
+            </a:extLst>
+          </p:cNvPr>
+          <p:cNvPicPr>
+            <a:picLocks noChangeAspect="1"/>
+          </p:cNvPicPr>
+          <p:nvPr/>
+        </p:nvPicPr>
+        <p:blipFill>
+          <a:blip r:embed="rId2"/>
+          <a:stretch>
+            <a:fillRect/>
+          </a:stretch>
+        </p:blipFill>
+        <p:spPr>
+          <a:xfrm>
+            <a:off x="250638" y="2552401"/>
+            <a:ext cx="6684810" cy="2010287"/>
+          </a:xfrm>
+          <a:prstGeom prst="rect">
+            <a:avLst/>
+          </a:prstGeom>
+        </p:spPr>
+      </p:pic>
+      <p:sp>
+        <p:nvSpPr>
+          <p:cNvPr id="7" name="Titel 6">
+            <a:extLst>
+              <a:ext uri="{FF2B5EF4-FFF2-40B4-BE49-F238E27FC236}">
+                <a16:creationId xmlns:a16="http://schemas.microsoft.com/office/drawing/2014/main" id="{1412C6C4-EF93-FB46-E894-6D86C1986CDD}"/>
+              </a:ext>
+            </a:extLst>
+          </p:cNvPr>
+          <p:cNvSpPr txBox="1">
+            <a:spLocks/>
+          </p:cNvSpPr>
+          <p:nvPr/>
+        </p:nvSpPr>
+        <p:spPr>
+          <a:xfrm>
+            <a:off x="378385" y="342100"/>
+            <a:ext cx="4788154" cy="326243"/>
+          </a:xfrm>
+          <a:prstGeom prst="rect">
+            <a:avLst/>
+          </a:prstGeom>
+          <a:noFill/>
+          <a:ln>
+            <a:noFill/>
+          </a:ln>
+        </p:spPr>
+        <p:txBody>
+          <a:bodyPr spcFirstLastPara="1" wrap="square" lIns="0" tIns="0" rIns="0" bIns="0" anchor="t" anchorCtr="0">
+            <a:spAutoFit/>
+          </a:bodyPr>
+          <a:lstStyle>
+            <a:defPPr marR="0" lvl="0" algn="l" rtl="0">
+              <a:lnSpc>
+                <a:spcPct val="100000"/>
+              </a:lnSpc>
+              <a:spcBef>
+                <a:spcPts val="0"/>
+              </a:spcBef>
+              <a:spcAft>
+                <a:spcPts val="0"/>
+              </a:spcAft>
+            </a:defPPr>
+            <a:lvl1pPr marR="0" lvl="0" algn="l" rtl="0">
+              <a:lnSpc>
+                <a:spcPct val="106250"/>
+              </a:lnSpc>
+              <a:spcBef>
+                <a:spcPts val="0"/>
+              </a:spcBef>
+              <a:spcAft>
+                <a:spcPts val="0"/>
+              </a:spcAft>
+              <a:buClr>
+                <a:schemeClr val="dk1"/>
+              </a:buClr>
+              <a:buSzPts val="3200"/>
+              <a:buFont typeface="Arial"/>
+              <a:buNone/>
+              <a:defRPr sz="1800" b="0" i="0" u="none" strike="noStrike" cap="none">
+                <a:solidFill>
+                  <a:srgbClr val="000000"/>
+                </a:solidFill>
+                <a:latin typeface="Arial"/>
+                <a:ea typeface="Arial"/>
+                <a:cs typeface="Arial"/>
+                <a:sym typeface="Arial"/>
+              </a:defRPr>
+            </a:lvl1pPr>
+            <a:lvl2pPr marR="0" lvl="1" algn="l" rtl="0">
+              <a:lnSpc>
+                <a:spcPct val="100000"/>
+              </a:lnSpc>
+              <a:spcBef>
+                <a:spcPts val="0"/>
+              </a:spcBef>
+              <a:spcAft>
+                <a:spcPts val="0"/>
+              </a:spcAft>
+              <a:buClr>
+                <a:srgbClr val="000000"/>
+              </a:buClr>
+              <a:buSzPts val="1400"/>
+              <a:buFont typeface="Arial"/>
+              <a:buNone/>
+              <a:defRPr sz="1800" b="0" i="0" u="none" strike="noStrike" cap="none">
+                <a:solidFill>
+                  <a:srgbClr val="000000"/>
+                </a:solidFill>
+                <a:latin typeface="Arial"/>
+                <a:ea typeface="Arial"/>
+                <a:cs typeface="Arial"/>
+                <a:sym typeface="Arial"/>
+              </a:defRPr>
+            </a:lvl2pPr>
+            <a:lvl3pPr marR="0" lvl="2" algn="l" rtl="0">
+              <a:lnSpc>
+                <a:spcPct val="100000"/>
+              </a:lnSpc>
+              <a:spcBef>
+                <a:spcPts val="0"/>
+              </a:spcBef>
+              <a:spcAft>
+                <a:spcPts val="0"/>
+              </a:spcAft>
+              <a:buClr>
+                <a:srgbClr val="000000"/>
+              </a:buClr>
+              <a:buSzPts val="1400"/>
+              <a:buFont typeface="Arial"/>
+              <a:buNone/>
+              <a:defRPr sz="1800" b="0" i="0" u="none" strike="noStrike" cap="none">
+                <a:solidFill>
+                  <a:srgbClr val="000000"/>
+                </a:solidFill>
+                <a:latin typeface="Arial"/>
+                <a:ea typeface="Arial"/>
+                <a:cs typeface="Arial"/>
+                <a:sym typeface="Arial"/>
+              </a:defRPr>
+            </a:lvl3pPr>
+            <a:lvl4pPr marR="0" lvl="3" algn="l" rtl="0">
+              <a:lnSpc>
+                <a:spcPct val="100000"/>
+              </a:lnSpc>
+              <a:spcBef>
+                <a:spcPts val="0"/>
+              </a:spcBef>
+              <a:spcAft>
+                <a:spcPts val="0"/>
+              </a:spcAft>
+              <a:buClr>
+                <a:srgbClr val="000000"/>
+              </a:buClr>
+              <a:buSzPts val="1400"/>
+              <a:buFont typeface="Arial"/>
+              <a:buNone/>
+              <a:defRPr sz="1800" b="0" i="0" u="none" strike="noStrike" cap="none">
+                <a:solidFill>
+                  <a:srgbClr val="000000"/>
+                </a:solidFill>
+                <a:latin typeface="Arial"/>
+                <a:ea typeface="Arial"/>
+                <a:cs typeface="Arial"/>
+                <a:sym typeface="Arial"/>
+              </a:defRPr>
+            </a:lvl4pPr>
+            <a:lvl5pPr marR="0" lvl="4" algn="l" rtl="0">
+              <a:lnSpc>
+                <a:spcPct val="100000"/>
+              </a:lnSpc>
+              <a:spcBef>
+                <a:spcPts val="0"/>
+              </a:spcBef>
+              <a:spcAft>
+                <a:spcPts val="0"/>
+              </a:spcAft>
+              <a:buClr>
+                <a:srgbClr val="000000"/>
+              </a:buClr>
+              <a:buSzPts val="1400"/>
+              <a:buFont typeface="Arial"/>
+              <a:buNone/>
+              <a:defRPr sz="1800" b="0" i="0" u="none" strike="noStrike" cap="none">
+                <a:solidFill>
+                  <a:srgbClr val="000000"/>
+                </a:solidFill>
+                <a:latin typeface="Arial"/>
+                <a:ea typeface="Arial"/>
+                <a:cs typeface="Arial"/>
+                <a:sym typeface="Arial"/>
+              </a:defRPr>
+            </a:lvl5pPr>
+            <a:lvl6pPr marR="0" lvl="5" algn="l" rtl="0">
+              <a:lnSpc>
+                <a:spcPct val="100000"/>
+              </a:lnSpc>
+              <a:spcBef>
+                <a:spcPts val="0"/>
+              </a:spcBef>
+              <a:spcAft>
+                <a:spcPts val="0"/>
+              </a:spcAft>
+              <a:buClr>
+                <a:srgbClr val="000000"/>
+              </a:buClr>
+              <a:buSzPts val="1400"/>
+              <a:buFont typeface="Arial"/>
+              <a:buNone/>
+              <a:defRPr sz="1800" b="0" i="0" u="none" strike="noStrike" cap="none">
+                <a:solidFill>
+                  <a:srgbClr val="000000"/>
+                </a:solidFill>
+                <a:latin typeface="Arial"/>
+                <a:ea typeface="Arial"/>
+                <a:cs typeface="Arial"/>
+                <a:sym typeface="Arial"/>
+              </a:defRPr>
+            </a:lvl6pPr>
+            <a:lvl7pPr marR="0" lvl="6" algn="l" rtl="0">
+              <a:lnSpc>
+                <a:spcPct val="100000"/>
+              </a:lnSpc>
+              <a:spcBef>
+                <a:spcPts val="0"/>
+              </a:spcBef>
+              <a:spcAft>
+                <a:spcPts val="0"/>
+              </a:spcAft>
+              <a:buClr>
+                <a:srgbClr val="000000"/>
+              </a:buClr>
+              <a:buSzPts val="1400"/>
+              <a:buFont typeface="Arial"/>
+              <a:buNone/>
+              <a:defRPr sz="1800" b="0" i="0" u="none" strike="noStrike" cap="none">
+                <a:solidFill>
+                  <a:srgbClr val="000000"/>
+                </a:solidFill>
+                <a:latin typeface="Arial"/>
+                <a:ea typeface="Arial"/>
+                <a:cs typeface="Arial"/>
+                <a:sym typeface="Arial"/>
+              </a:defRPr>
+            </a:lvl7pPr>
+            <a:lvl8pPr marR="0" lvl="7" algn="l" rtl="0">
+              <a:lnSpc>
+                <a:spcPct val="100000"/>
+              </a:lnSpc>
+              <a:spcBef>
+                <a:spcPts val="0"/>
+              </a:spcBef>
+              <a:spcAft>
+                <a:spcPts val="0"/>
+              </a:spcAft>
+              <a:buClr>
+                <a:srgbClr val="000000"/>
+              </a:buClr>
+              <a:buSzPts val="1400"/>
+              <a:buFont typeface="Arial"/>
+              <a:buNone/>
+              <a:defRPr sz="1800" b="0" i="0" u="none" strike="noStrike" cap="none">
+                <a:solidFill>
+                  <a:srgbClr val="000000"/>
+                </a:solidFill>
+                <a:latin typeface="Arial"/>
+                <a:ea typeface="Arial"/>
+                <a:cs typeface="Arial"/>
+                <a:sym typeface="Arial"/>
+              </a:defRPr>
+            </a:lvl8pPr>
+            <a:lvl9pPr marR="0" lvl="8" algn="l" rtl="0">
+              <a:lnSpc>
+                <a:spcPct val="100000"/>
+              </a:lnSpc>
+              <a:spcBef>
+                <a:spcPts val="0"/>
+              </a:spcBef>
+              <a:spcAft>
+                <a:spcPts val="0"/>
+              </a:spcAft>
+              <a:buClr>
+                <a:srgbClr val="000000"/>
+              </a:buClr>
+              <a:buSzPts val="1400"/>
+              <a:buFont typeface="Arial"/>
+              <a:buNone/>
+              <a:defRPr sz="1800" b="0" i="0" u="none" strike="noStrike" cap="none">
+                <a:solidFill>
+                  <a:srgbClr val="000000"/>
+                </a:solidFill>
+                <a:latin typeface="Arial"/>
+                <a:ea typeface="Arial"/>
+                <a:cs typeface="Arial"/>
+                <a:sym typeface="Arial"/>
+              </a:defRPr>
+            </a:lvl9pPr>
+          </a:lstStyle>
+          <a:p>
+            <a:r>
+              <a:rPr lang="de-DE" sz="2000" b="1"/>
+              <a:t>JSON-Import</a:t>
+            </a:r>
+            <a:endParaRPr lang="de-DE" sz="2000" b="1" dirty="0"/>
+          </a:p>
+        </p:txBody>
+      </p:sp>
+      <p:sp>
+        <p:nvSpPr>
+          <p:cNvPr id="8" name="Google Shape;130;p30">
+            <a:extLst>
+              <a:ext uri="{FF2B5EF4-FFF2-40B4-BE49-F238E27FC236}">
+                <a16:creationId xmlns:a16="http://schemas.microsoft.com/office/drawing/2014/main" id="{F947D073-F91A-3B42-C7FA-F7242ED48AD6}"/>
+              </a:ext>
+            </a:extLst>
+          </p:cNvPr>
+          <p:cNvSpPr txBox="1">
+            <a:spLocks noGrp="1"/>
+          </p:cNvSpPr>
+          <p:nvPr>
+            <p:ph type="body" idx="1"/>
+          </p:nvPr>
+        </p:nvSpPr>
+        <p:spPr>
+          <a:xfrm>
+            <a:off x="250638" y="937400"/>
+            <a:ext cx="4368177" cy="701994"/>
+          </a:xfrm>
+          <a:prstGeom prst="rect">
+            <a:avLst/>
+          </a:prstGeom>
+          <a:noFill/>
+          <a:ln>
+            <a:noFill/>
+          </a:ln>
+        </p:spPr>
+        <p:txBody>
+          <a:bodyPr spcFirstLastPara="1" wrap="square" lIns="0" tIns="0" rIns="0" bIns="0" anchor="ctr" anchorCtr="0">
+            <a:noAutofit/>
+          </a:bodyPr>
+          <a:lstStyle/>
+          <a:p>
+            <a:pPr marL="133350" lvl="0" indent="0" algn="l" rtl="0">
+              <a:spcBef>
+                <a:spcPts val="600"/>
+              </a:spcBef>
+              <a:spcAft>
+                <a:spcPts val="0"/>
+              </a:spcAft>
+              <a:buSzPts val="1500"/>
+            </a:pPr>
+            <a:endParaRPr lang="de-DE" sz="1500" dirty="0"/>
+          </a:p>
+          <a:p>
+            <a:pPr marL="419100" lvl="0" indent="-285750" algn="l" rtl="0">
+              <a:spcBef>
+                <a:spcPts val="600"/>
+              </a:spcBef>
+              <a:spcAft>
+                <a:spcPts val="0"/>
+              </a:spcAft>
+              <a:buSzPts val="1500"/>
+              <a:buFont typeface="Arial" panose="020B0604020202020204" pitchFamily="34" charset="0"/>
+              <a:buChar char="•"/>
+            </a:pPr>
+            <a:r>
+              <a:rPr lang="de-DE" sz="1500" dirty="0"/>
+              <a:t>Vermeidung von „Human Errors“</a:t>
+            </a:r>
+          </a:p>
+          <a:p>
+            <a:pPr marL="419100" lvl="0" indent="-285750" algn="l" rtl="0">
+              <a:spcBef>
+                <a:spcPts val="600"/>
+              </a:spcBef>
+              <a:spcAft>
+                <a:spcPts val="0"/>
+              </a:spcAft>
+              <a:buSzPts val="1500"/>
+              <a:buFont typeface="Arial" panose="020B0604020202020204" pitchFamily="34" charset="0"/>
+              <a:buChar char="•"/>
+            </a:pPr>
+            <a:r>
+              <a:rPr lang="de-DE" sz="1500" dirty="0"/>
+              <a:t>Reduziert Handarbeit</a:t>
+            </a:r>
+          </a:p>
+        </p:txBody>
+      </p:sp>
+    </p:spTree>
+    <p:extLst>
+      <p:ext uri="{BB962C8B-B14F-4D97-AF65-F5344CB8AC3E}">
+        <p14:creationId xmlns:p14="http://schemas.microsoft.com/office/powerpoint/2010/main" val="2487250086"/>
+      </p:ext>
+    </p:extLst>
+  </p:cSld>
+  <p:clrMapOvr>
+    <a:masterClrMapping/>
+  </p:clrMapOvr>
+</p:sld>
+</file>
+
+<file path=ppt/slides/slide7.xml><?xml version="1.0" encoding="utf-8"?>
+<p:sld xmlns:a="http://schemas.openxmlformats.org/drawingml/2006/main" xmlns:r="http://schemas.openxmlformats.org/officeDocument/2006/relationships" xmlns:p="http://schemas.openxmlformats.org/presentationml/2006/main">
+  <p:cSld>
+    <p:spTree>
+      <p:nvGrpSpPr>
+        <p:cNvPr id="1" name=""/>
+        <p:cNvGrpSpPr/>
+        <p:nvPr/>
+      </p:nvGrpSpPr>
+      <p:grpSpPr>
+        <a:xfrm>
+          <a:off x="0" y="0"/>
+          <a:ext cx="0" cy="0"/>
+          <a:chOff x="0" y="0"/>
+          <a:chExt cx="0" cy="0"/>
+        </a:xfrm>
+      </p:grpSpPr>
+      <p:pic>
+        <p:nvPicPr>
+          <p:cNvPr id="10" name="Grafik 9" descr="Ein Bild, das Text enthält.&#10;&#10;Automatisch generierte Beschreibung">
+            <a:extLst>
+              <a:ext uri="{FF2B5EF4-FFF2-40B4-BE49-F238E27FC236}">
+                <a16:creationId xmlns:a16="http://schemas.microsoft.com/office/drawing/2014/main" id="{A32C3AE6-6685-5B5D-B13F-30E900A489E3}"/>
+              </a:ext>
+            </a:extLst>
+          </p:cNvPr>
+          <p:cNvPicPr>
+            <a:picLocks noChangeAspect="1"/>
+          </p:cNvPicPr>
+          <p:nvPr/>
+        </p:nvPicPr>
+        <p:blipFill>
+          <a:blip r:embed="rId2"/>
+          <a:stretch>
+            <a:fillRect/>
+          </a:stretch>
+        </p:blipFill>
+        <p:spPr>
+          <a:xfrm>
+            <a:off x="739575" y="775078"/>
+            <a:ext cx="5339162" cy="4023350"/>
+          </a:xfrm>
+          <a:prstGeom prst="rect">
+            <a:avLst/>
+          </a:prstGeom>
+        </p:spPr>
+      </p:pic>
+      <p:sp>
+        <p:nvSpPr>
+          <p:cNvPr id="5" name="Titel 6">
+            <a:extLst>
+              <a:ext uri="{FF2B5EF4-FFF2-40B4-BE49-F238E27FC236}">
+                <a16:creationId xmlns:a16="http://schemas.microsoft.com/office/drawing/2014/main" id="{53CE3E37-537A-2615-CECD-1A7C4DBE6B09}"/>
+              </a:ext>
+            </a:extLst>
+          </p:cNvPr>
+          <p:cNvSpPr>
+            <a:spLocks noGrp="1"/>
+          </p:cNvSpPr>
+          <p:nvPr/>
+        </p:nvSpPr>
+        <p:spPr>
+          <a:xfrm>
+            <a:off x="739575" y="197155"/>
+            <a:ext cx="4788154" cy="326243"/>
+          </a:xfrm>
+          <a:prstGeom prst="rect">
+            <a:avLst/>
+          </a:prstGeom>
+          <a:noFill/>
+          <a:ln>
+            <a:noFill/>
+          </a:ln>
+        </p:spPr>
+        <p:txBody>
+          <a:bodyPr spcFirstLastPara="1" wrap="square" lIns="0" tIns="0" rIns="0" bIns="0" anchor="t" anchorCtr="0">
+            <a:spAutoFit/>
+          </a:bodyPr>
+          <a:lstStyle>
+            <a:defPPr marR="0" lvl="0" algn="l" rtl="0">
+              <a:lnSpc>
+                <a:spcPct val="100000"/>
+              </a:lnSpc>
+              <a:spcBef>
+                <a:spcPts val="0"/>
+              </a:spcBef>
+              <a:spcAft>
+                <a:spcPts val="0"/>
+              </a:spcAft>
+            </a:defPPr>
+            <a:lvl1pPr marR="0" lvl="0" algn="l" rtl="0">
+              <a:lnSpc>
+                <a:spcPct val="106250"/>
+              </a:lnSpc>
+              <a:spcBef>
+                <a:spcPts val="0"/>
+              </a:spcBef>
+              <a:spcAft>
+                <a:spcPts val="0"/>
+              </a:spcAft>
+              <a:buClr>
+                <a:schemeClr val="dk1"/>
+              </a:buClr>
+              <a:buSzPts val="3200"/>
+              <a:buFont typeface="Arial"/>
+              <a:buNone/>
+              <a:defRPr sz="1800" b="0" i="0" u="none" strike="noStrike" cap="none">
+                <a:solidFill>
+                  <a:srgbClr val="000000"/>
+                </a:solidFill>
+                <a:latin typeface="Arial"/>
+                <a:ea typeface="Arial"/>
+                <a:cs typeface="Arial"/>
+                <a:sym typeface="Arial"/>
+              </a:defRPr>
+            </a:lvl1pPr>
+            <a:lvl2pPr marR="0" lvl="1" algn="l" rtl="0">
+              <a:lnSpc>
+                <a:spcPct val="100000"/>
+              </a:lnSpc>
+              <a:spcBef>
+                <a:spcPts val="0"/>
+              </a:spcBef>
+              <a:spcAft>
+                <a:spcPts val="0"/>
+              </a:spcAft>
+              <a:buClr>
+                <a:srgbClr val="000000"/>
+              </a:buClr>
+              <a:buSzPts val="1400"/>
+              <a:buFont typeface="Arial"/>
+              <a:buNone/>
+              <a:defRPr sz="1800" b="0" i="0" u="none" strike="noStrike" cap="none">
+                <a:solidFill>
+                  <a:srgbClr val="000000"/>
+                </a:solidFill>
+                <a:latin typeface="Arial"/>
+                <a:ea typeface="Arial"/>
+                <a:cs typeface="Arial"/>
+                <a:sym typeface="Arial"/>
+              </a:defRPr>
+            </a:lvl2pPr>
+            <a:lvl3pPr marR="0" lvl="2" algn="l" rtl="0">
+              <a:lnSpc>
+                <a:spcPct val="100000"/>
+              </a:lnSpc>
+              <a:spcBef>
+                <a:spcPts val="0"/>
+              </a:spcBef>
+              <a:spcAft>
+                <a:spcPts val="0"/>
+              </a:spcAft>
+              <a:buClr>
+                <a:srgbClr val="000000"/>
+              </a:buClr>
+              <a:buSzPts val="1400"/>
+              <a:buFont typeface="Arial"/>
+              <a:buNone/>
+              <a:defRPr sz="1800" b="0" i="0" u="none" strike="noStrike" cap="none">
+                <a:solidFill>
+                  <a:srgbClr val="000000"/>
+                </a:solidFill>
+                <a:latin typeface="Arial"/>
+                <a:ea typeface="Arial"/>
+                <a:cs typeface="Arial"/>
+                <a:sym typeface="Arial"/>
+              </a:defRPr>
+            </a:lvl3pPr>
+            <a:lvl4pPr marR="0" lvl="3" algn="l" rtl="0">
+              <a:lnSpc>
+                <a:spcPct val="100000"/>
+              </a:lnSpc>
+              <a:spcBef>
+                <a:spcPts val="0"/>
+              </a:spcBef>
+              <a:spcAft>
+                <a:spcPts val="0"/>
+              </a:spcAft>
+              <a:buClr>
+                <a:srgbClr val="000000"/>
+              </a:buClr>
+              <a:buSzPts val="1400"/>
+              <a:buFont typeface="Arial"/>
+              <a:buNone/>
+              <a:defRPr sz="1800" b="0" i="0" u="none" strike="noStrike" cap="none">
+                <a:solidFill>
+                  <a:srgbClr val="000000"/>
+                </a:solidFill>
+                <a:latin typeface="Arial"/>
+                <a:ea typeface="Arial"/>
+                <a:cs typeface="Arial"/>
+                <a:sym typeface="Arial"/>
+              </a:defRPr>
+            </a:lvl4pPr>
+            <a:lvl5pPr marR="0" lvl="4" algn="l" rtl="0">
+              <a:lnSpc>
+                <a:spcPct val="100000"/>
+              </a:lnSpc>
+              <a:spcBef>
+                <a:spcPts val="0"/>
+              </a:spcBef>
+              <a:spcAft>
+                <a:spcPts val="0"/>
+              </a:spcAft>
+              <a:buClr>
+                <a:srgbClr val="000000"/>
+              </a:buClr>
+              <a:buSzPts val="1400"/>
+              <a:buFont typeface="Arial"/>
+              <a:buNone/>
+              <a:defRPr sz="1800" b="0" i="0" u="none" strike="noStrike" cap="none">
+                <a:solidFill>
+                  <a:srgbClr val="000000"/>
+                </a:solidFill>
+                <a:latin typeface="Arial"/>
+                <a:ea typeface="Arial"/>
+                <a:cs typeface="Arial"/>
+                <a:sym typeface="Arial"/>
+              </a:defRPr>
+            </a:lvl5pPr>
+            <a:lvl6pPr marR="0" lvl="5" algn="l" rtl="0">
+              <a:lnSpc>
+                <a:spcPct val="100000"/>
+              </a:lnSpc>
+              <a:spcBef>
+                <a:spcPts val="0"/>
+              </a:spcBef>
+              <a:spcAft>
+                <a:spcPts val="0"/>
+              </a:spcAft>
+              <a:buClr>
+                <a:srgbClr val="000000"/>
+              </a:buClr>
+              <a:buSzPts val="1400"/>
+              <a:buFont typeface="Arial"/>
+              <a:buNone/>
+              <a:defRPr sz="1800" b="0" i="0" u="none" strike="noStrike" cap="none">
+                <a:solidFill>
+                  <a:srgbClr val="000000"/>
+                </a:solidFill>
+                <a:latin typeface="Arial"/>
+                <a:ea typeface="Arial"/>
+                <a:cs typeface="Arial"/>
+                <a:sym typeface="Arial"/>
+              </a:defRPr>
+            </a:lvl6pPr>
+            <a:lvl7pPr marR="0" lvl="6" algn="l" rtl="0">
+              <a:lnSpc>
+                <a:spcPct val="100000"/>
+              </a:lnSpc>
+              <a:spcBef>
+                <a:spcPts val="0"/>
+              </a:spcBef>
+              <a:spcAft>
+                <a:spcPts val="0"/>
+              </a:spcAft>
+              <a:buClr>
+                <a:srgbClr val="000000"/>
+              </a:buClr>
+              <a:buSzPts val="1400"/>
+              <a:buFont typeface="Arial"/>
+              <a:buNone/>
+              <a:defRPr sz="1800" b="0" i="0" u="none" strike="noStrike" cap="none">
+                <a:solidFill>
+                  <a:srgbClr val="000000"/>
+                </a:solidFill>
+                <a:latin typeface="Arial"/>
+                <a:ea typeface="Arial"/>
+                <a:cs typeface="Arial"/>
+                <a:sym typeface="Arial"/>
+              </a:defRPr>
+            </a:lvl7pPr>
+            <a:lvl8pPr marR="0" lvl="7" algn="l" rtl="0">
+              <a:lnSpc>
+                <a:spcPct val="100000"/>
+              </a:lnSpc>
+              <a:spcBef>
+                <a:spcPts val="0"/>
+              </a:spcBef>
+              <a:spcAft>
+                <a:spcPts val="0"/>
+              </a:spcAft>
+              <a:buClr>
+                <a:srgbClr val="000000"/>
+              </a:buClr>
+              <a:buSzPts val="1400"/>
+              <a:buFont typeface="Arial"/>
+              <a:buNone/>
+              <a:defRPr sz="1800" b="0" i="0" u="none" strike="noStrike" cap="none">
+                <a:solidFill>
+                  <a:srgbClr val="000000"/>
+                </a:solidFill>
+                <a:latin typeface="Arial"/>
+                <a:ea typeface="Arial"/>
+                <a:cs typeface="Arial"/>
+                <a:sym typeface="Arial"/>
+              </a:defRPr>
+            </a:lvl8pPr>
+            <a:lvl9pPr marR="0" lvl="8" algn="l" rtl="0">
+              <a:lnSpc>
+                <a:spcPct val="100000"/>
+              </a:lnSpc>
+              <a:spcBef>
+                <a:spcPts val="0"/>
+              </a:spcBef>
+              <a:spcAft>
+                <a:spcPts val="0"/>
+              </a:spcAft>
+              <a:buClr>
+                <a:srgbClr val="000000"/>
+              </a:buClr>
+              <a:buSzPts val="1400"/>
+              <a:buFont typeface="Arial"/>
+              <a:buNone/>
+              <a:defRPr sz="1800" b="0" i="0" u="none" strike="noStrike" cap="none">
+                <a:solidFill>
+                  <a:srgbClr val="000000"/>
+                </a:solidFill>
+                <a:latin typeface="Arial"/>
+                <a:ea typeface="Arial"/>
+                <a:cs typeface="Arial"/>
+                <a:sym typeface="Arial"/>
+              </a:defRPr>
+            </a:lvl9pPr>
+          </a:lstStyle>
+          <a:p>
+            <a:r>
+              <a:rPr lang="de-DE" sz="2000" b="1" dirty="0"/>
+              <a:t>Output:</a:t>
+            </a:r>
+          </a:p>
+        </p:txBody>
+      </p:sp>
+    </p:spTree>
+    <p:extLst>
+      <p:ext uri="{BB962C8B-B14F-4D97-AF65-F5344CB8AC3E}">
+        <p14:creationId xmlns:p14="http://schemas.microsoft.com/office/powerpoint/2010/main" val="819627762"/>
+      </p:ext>
+    </p:extLst>
+  </p:cSld>
+  <p:clrMapOvr>
+    <a:masterClrMapping/>
+  </p:clrMapOvr>
+</p:sld>
+</file>
+
+<file path=ppt/slides/slide8.xml><?xml version="1.0" encoding="utf-8"?>
+<p:sld xmlns:a="http://schemas.openxmlformats.org/drawingml/2006/main" xmlns:r="http://schemas.openxmlformats.org/officeDocument/2006/relationships" xmlns:p="http://schemas.openxmlformats.org/presentationml/2006/main">
+  <p:cSld>
+    <p:spTree>
+      <p:nvGrpSpPr>
         <p:cNvPr id="1" name="Shape 162"/>
         <p:cNvGrpSpPr/>
         <p:nvPr/>
@@ -15547,7 +16255,7 @@
             </a:pPr>
             <a:fld id="{00000000-1234-1234-1234-123412341234}" type="slidenum">
               <a:rPr lang="en" sz="800"/>
-              <a:t>6</a:t>
+              <a:t>8</a:t>
             </a:fld>
             <a:endParaRPr sz="600"/>
           </a:p>
@@ -15764,404 +16472,6 @@
         </p:spPr>
       </p:cxnSp>
     </p:spTree>
-  </p:cSld>
-  <p:clrMapOvr>
-    <a:masterClrMapping/>
-  </p:clrMapOvr>
-</p:sld>
-</file>
-
-<file path=ppt/slides/slide7.xml><?xml version="1.0" encoding="utf-8"?>
-<p:sld xmlns:a="http://schemas.openxmlformats.org/drawingml/2006/main" xmlns:r="http://schemas.openxmlformats.org/officeDocument/2006/relationships" xmlns:p="http://schemas.openxmlformats.org/presentationml/2006/main">
-  <p:cSld>
-    <p:spTree>
-      <p:nvGrpSpPr>
-        <p:cNvPr id="1" name="Shape 172"/>
-        <p:cNvGrpSpPr/>
-        <p:nvPr/>
-      </p:nvGrpSpPr>
-      <p:grpSpPr>
-        <a:xfrm>
-          <a:off x="0" y="0"/>
-          <a:ext cx="0" cy="0"/>
-          <a:chOff x="0" y="0"/>
-          <a:chExt cx="0" cy="0"/>
-        </a:xfrm>
-      </p:grpSpPr>
-      <p:sp>
-        <p:nvSpPr>
-          <p:cNvPr id="173" name="Google Shape;173;p34"/>
-          <p:cNvSpPr txBox="1">
-            <a:spLocks noGrp="1"/>
-          </p:cNvSpPr>
-          <p:nvPr>
-            <p:ph type="ftr" idx="11"/>
-          </p:nvPr>
-        </p:nvSpPr>
-        <p:spPr>
-          <a:xfrm>
-            <a:off x="2162575" y="4687100"/>
-            <a:ext cx="3917700" cy="123000"/>
-          </a:xfrm>
-          <a:prstGeom prst="rect">
-            <a:avLst/>
-          </a:prstGeom>
-          <a:noFill/>
-          <a:ln>
-            <a:noFill/>
-          </a:ln>
-        </p:spPr>
-        <p:txBody>
-          <a:bodyPr spcFirstLastPara="1" wrap="square" lIns="0" tIns="0" rIns="0" bIns="0" anchor="t" anchorCtr="0">
-            <a:spAutoFit/>
-          </a:bodyPr>
-          <a:lstStyle/>
-          <a:p>
-            <a:pPr marL="0" lvl="0" indent="0" algn="l" rtl="0">
-              <a:spcBef>
-                <a:spcPts val="0"/>
-              </a:spcBef>
-              <a:spcAft>
-                <a:spcPts val="0"/>
-              </a:spcAft>
-              <a:buNone/>
-            </a:pPr>
-            <a:r>
-              <a:rPr lang="en" sz="800" dirty="0"/>
-              <a:t>M. Almouzaouer, M. Laporte, R. Newbigging, L. Ulvert</a:t>
-            </a:r>
-            <a:r>
-              <a:rPr lang="en" sz="800" dirty="0">
-                <a:solidFill>
-                  <a:schemeClr val="dk1"/>
-                </a:solidFill>
-                <a:latin typeface="Verdana"/>
-                <a:ea typeface="Verdana"/>
-                <a:cs typeface="Verdana"/>
-                <a:sym typeface="Verdana"/>
-              </a:rPr>
-              <a:t> </a:t>
-            </a:r>
-            <a:r>
-              <a:rPr lang="en" sz="800" dirty="0"/>
-              <a:t>| </a:t>
-            </a:r>
-            <a:r>
-              <a:rPr lang="en" sz="800" dirty="0">
-                <a:solidFill>
-                  <a:schemeClr val="bg1">
-                    <a:lumMod val="65000"/>
-                  </a:schemeClr>
-                </a:solidFill>
-              </a:rPr>
-              <a:t>JSON</a:t>
-            </a:r>
-            <a:endParaRPr sz="800" dirty="0">
-              <a:solidFill>
-                <a:schemeClr val="bg1">
-                  <a:lumMod val="65000"/>
-                </a:schemeClr>
-              </a:solidFill>
-            </a:endParaRPr>
-          </a:p>
-        </p:txBody>
-      </p:sp>
-      <p:sp>
-        <p:nvSpPr>
-          <p:cNvPr id="174" name="Google Shape;174;p34"/>
-          <p:cNvSpPr txBox="1">
-            <a:spLocks noGrp="1"/>
-          </p:cNvSpPr>
-          <p:nvPr>
-            <p:ph type="sldNum" idx="12"/>
-          </p:nvPr>
-        </p:nvSpPr>
-        <p:spPr>
-          <a:xfrm>
-            <a:off x="539750" y="4687099"/>
-            <a:ext cx="1728900" cy="123000"/>
-          </a:xfrm>
-          <a:prstGeom prst="rect">
-            <a:avLst/>
-          </a:prstGeom>
-          <a:noFill/>
-          <a:ln>
-            <a:noFill/>
-          </a:ln>
-        </p:spPr>
-        <p:txBody>
-          <a:bodyPr spcFirstLastPara="1" wrap="square" lIns="0" tIns="0" rIns="0" bIns="0" anchor="t" anchorCtr="0">
-            <a:spAutoFit/>
-          </a:bodyPr>
-          <a:lstStyle/>
-          <a:p>
-            <a:pPr marL="0" lvl="0" indent="0" algn="l" rtl="0">
-              <a:spcBef>
-                <a:spcPts val="0"/>
-              </a:spcBef>
-              <a:spcAft>
-                <a:spcPts val="0"/>
-              </a:spcAft>
-              <a:buNone/>
-            </a:pPr>
-            <a:fld id="{00000000-1234-1234-1234-123412341234}" type="slidenum">
-              <a:rPr lang="en" sz="800"/>
-              <a:t>7</a:t>
-            </a:fld>
-            <a:endParaRPr sz="600"/>
-          </a:p>
-        </p:txBody>
-      </p:sp>
-      <p:sp>
-        <p:nvSpPr>
-          <p:cNvPr id="7" name="Titel 6">
-            <a:extLst>
-              <a:ext uri="{FF2B5EF4-FFF2-40B4-BE49-F238E27FC236}">
-                <a16:creationId xmlns:a16="http://schemas.microsoft.com/office/drawing/2014/main" id="{53CE3E37-537A-2615-CECD-1A7C4DBE6B09}"/>
-              </a:ext>
-            </a:extLst>
-          </p:cNvPr>
-          <p:cNvSpPr>
-            <a:spLocks noGrp="1"/>
-          </p:cNvSpPr>
-          <p:nvPr>
-            <p:ph type="title"/>
-          </p:nvPr>
-        </p:nvSpPr>
-        <p:spPr>
-          <a:xfrm>
-            <a:off x="539750" y="456400"/>
-            <a:ext cx="4788154" cy="326243"/>
-          </a:xfrm>
-        </p:spPr>
-        <p:txBody>
-          <a:bodyPr/>
-          <a:lstStyle/>
-          <a:p>
-            <a:r>
-              <a:rPr lang="de-DE" sz="2000" b="1" dirty="0"/>
-              <a:t>JSON-Import</a:t>
-            </a:r>
-          </a:p>
-        </p:txBody>
-      </p:sp>
-      <p:sp>
-        <p:nvSpPr>
-          <p:cNvPr id="18" name="Google Shape;130;p30">
-            <a:extLst>
-              <a:ext uri="{FF2B5EF4-FFF2-40B4-BE49-F238E27FC236}">
-                <a16:creationId xmlns:a16="http://schemas.microsoft.com/office/drawing/2014/main" id="{183585F4-3165-BD0F-0438-0078CE871A34}"/>
-              </a:ext>
-            </a:extLst>
-          </p:cNvPr>
-          <p:cNvSpPr txBox="1">
-            <a:spLocks noGrp="1"/>
-          </p:cNvSpPr>
-          <p:nvPr>
-            <p:ph type="body" idx="1"/>
-          </p:nvPr>
-        </p:nvSpPr>
-        <p:spPr>
-          <a:xfrm>
-            <a:off x="540000" y="922250"/>
-            <a:ext cx="7918200" cy="3190500"/>
-          </a:xfrm>
-          <a:prstGeom prst="rect">
-            <a:avLst/>
-          </a:prstGeom>
-          <a:noFill/>
-          <a:ln>
-            <a:noFill/>
-          </a:ln>
-        </p:spPr>
-        <p:txBody>
-          <a:bodyPr spcFirstLastPara="1" wrap="square" lIns="0" tIns="0" rIns="0" bIns="0" anchor="ctr" anchorCtr="0">
-            <a:noAutofit/>
-          </a:bodyPr>
-          <a:lstStyle/>
-          <a:p>
-            <a:pPr marL="419100" lvl="0" indent="-285750" algn="l" rtl="0">
-              <a:spcBef>
-                <a:spcPts val="600"/>
-              </a:spcBef>
-              <a:spcAft>
-                <a:spcPts val="0"/>
-              </a:spcAft>
-              <a:buSzPts val="1500"/>
-              <a:buFont typeface="Wingdings" panose="05000000000000000000" pitchFamily="2" charset="2"/>
-              <a:buChar char="v"/>
-            </a:pPr>
-            <a:endParaRPr lang="de-DE" sz="1500" dirty="0"/>
-          </a:p>
-          <a:p>
-            <a:pPr marL="419100" lvl="0" indent="-285750" algn="l" rtl="0">
-              <a:spcBef>
-                <a:spcPts val="600"/>
-              </a:spcBef>
-              <a:spcAft>
-                <a:spcPts val="0"/>
-              </a:spcAft>
-              <a:buSzPts val="1500"/>
-              <a:buFont typeface="Wingdings" panose="05000000000000000000" pitchFamily="2" charset="2"/>
-              <a:buChar char="v"/>
-            </a:pPr>
-            <a:endParaRPr sz="1500" dirty="0"/>
-          </a:p>
-        </p:txBody>
-      </p:sp>
-      <p:pic>
-        <p:nvPicPr>
-          <p:cNvPr id="19" name="Grafik 18" descr="Ein Bild, das Text enthält.&#10;&#10;Automatisch generierte Beschreibung">
-            <a:extLst>
-              <a:ext uri="{FF2B5EF4-FFF2-40B4-BE49-F238E27FC236}">
-                <a16:creationId xmlns:a16="http://schemas.microsoft.com/office/drawing/2014/main" id="{9E9B32C8-9ABA-61F9-57B7-F8E55E79D818}"/>
-              </a:ext>
-            </a:extLst>
-          </p:cNvPr>
-          <p:cNvPicPr>
-            <a:picLocks noChangeAspect="1"/>
-          </p:cNvPicPr>
-          <p:nvPr/>
-        </p:nvPicPr>
-        <p:blipFill>
-          <a:blip r:embed="rId3"/>
-          <a:stretch>
-            <a:fillRect/>
-          </a:stretch>
-        </p:blipFill>
-        <p:spPr>
-          <a:xfrm>
-            <a:off x="0" y="1196837"/>
-            <a:ext cx="9144000" cy="2749826"/>
-          </a:xfrm>
-          <a:prstGeom prst="rect">
-            <a:avLst/>
-          </a:prstGeom>
-        </p:spPr>
-      </p:pic>
-    </p:spTree>
-  </p:cSld>
-  <p:clrMapOvr>
-    <a:masterClrMapping/>
-  </p:clrMapOvr>
-</p:sld>
-</file>
-
-<file path=ppt/slides/slide8.xml><?xml version="1.0" encoding="utf-8"?>
-<p:sld xmlns:a="http://schemas.openxmlformats.org/drawingml/2006/main" xmlns:r="http://schemas.openxmlformats.org/officeDocument/2006/relationships" xmlns:p="http://schemas.openxmlformats.org/presentationml/2006/main">
-  <p:cSld>
-    <p:spTree>
-      <p:nvGrpSpPr>
-        <p:cNvPr id="1" name=""/>
-        <p:cNvGrpSpPr/>
-        <p:nvPr/>
-      </p:nvGrpSpPr>
-      <p:grpSpPr>
-        <a:xfrm>
-          <a:off x="0" y="0"/>
-          <a:ext cx="0" cy="0"/>
-          <a:chOff x="0" y="0"/>
-          <a:chExt cx="0" cy="0"/>
-        </a:xfrm>
-      </p:grpSpPr>
-      <p:sp>
-        <p:nvSpPr>
-          <p:cNvPr id="3" name="Titel 2">
-            <a:extLst>
-              <a:ext uri="{FF2B5EF4-FFF2-40B4-BE49-F238E27FC236}">
-                <a16:creationId xmlns:a16="http://schemas.microsoft.com/office/drawing/2014/main" id="{F608B949-F86E-94AA-F9D1-D357C7D71D0B}"/>
-              </a:ext>
-            </a:extLst>
-          </p:cNvPr>
-          <p:cNvSpPr>
-            <a:spLocks noGrp="1"/>
-          </p:cNvSpPr>
-          <p:nvPr>
-            <p:ph type="title"/>
-          </p:nvPr>
-        </p:nvSpPr>
-        <p:spPr>
-          <a:xfrm>
-            <a:off x="813534" y="248410"/>
-            <a:ext cx="4661400" cy="293607"/>
-          </a:xfrm>
-        </p:spPr>
-        <p:txBody>
-          <a:bodyPr/>
-          <a:lstStyle/>
-          <a:p>
-            <a:r>
-              <a:rPr lang="de-DE" dirty="0" err="1"/>
-              <a:t>Result</a:t>
-            </a:r>
-            <a:r>
-              <a:rPr lang="de-DE" dirty="0"/>
-              <a:t>:</a:t>
-            </a:r>
-          </a:p>
-        </p:txBody>
-      </p:sp>
-      <p:sp>
-        <p:nvSpPr>
-          <p:cNvPr id="4" name="Textplatzhalter 3">
-            <a:extLst>
-              <a:ext uri="{FF2B5EF4-FFF2-40B4-BE49-F238E27FC236}">
-                <a16:creationId xmlns:a16="http://schemas.microsoft.com/office/drawing/2014/main" id="{D91F8B74-1064-80AA-E705-41EDDF94703D}"/>
-              </a:ext>
-            </a:extLst>
-          </p:cNvPr>
-          <p:cNvSpPr>
-            <a:spLocks noGrp="1"/>
-          </p:cNvSpPr>
-          <p:nvPr>
-            <p:ph type="body" idx="1"/>
-          </p:nvPr>
-        </p:nvSpPr>
-        <p:spPr/>
-        <p:txBody>
-          <a:bodyPr/>
-          <a:lstStyle/>
-          <a:p>
-            <a:endParaRPr lang="de-DE"/>
-          </a:p>
-        </p:txBody>
-      </p:sp>
-      <p:pic>
-        <p:nvPicPr>
-          <p:cNvPr id="10" name="Grafik 9" descr="Ein Bild, das Text enthält.&#10;&#10;Automatisch generierte Beschreibung">
-            <a:extLst>
-              <a:ext uri="{FF2B5EF4-FFF2-40B4-BE49-F238E27FC236}">
-                <a16:creationId xmlns:a16="http://schemas.microsoft.com/office/drawing/2014/main" id="{A32C3AE6-6685-5B5D-B13F-30E900A489E3}"/>
-              </a:ext>
-            </a:extLst>
-          </p:cNvPr>
-          <p:cNvPicPr>
-            <a:picLocks noChangeAspect="1"/>
-          </p:cNvPicPr>
-          <p:nvPr/>
-        </p:nvPicPr>
-        <p:blipFill>
-          <a:blip r:embed="rId2"/>
-          <a:stretch>
-            <a:fillRect/>
-          </a:stretch>
-        </p:blipFill>
-        <p:spPr>
-          <a:xfrm>
-            <a:off x="813534" y="759873"/>
-            <a:ext cx="5339162" cy="4023350"/>
-          </a:xfrm>
-          <a:prstGeom prst="rect">
-            <a:avLst/>
-          </a:prstGeom>
-        </p:spPr>
-      </p:pic>
-    </p:spTree>
-    <p:extLst>
-      <p:ext uri="{BB962C8B-B14F-4D97-AF65-F5344CB8AC3E}">
-        <p14:creationId xmlns:p14="http://schemas.microsoft.com/office/powerpoint/2010/main" val="819627762"/>
-      </p:ext>
-    </p:extLst>
   </p:cSld>
   <p:clrMapOvr>
     <a:masterClrMapping/>

--- a/Pitch_G6_Louvre1.pptx
+++ b/Pitch_G6_Louvre1.pptx
@@ -15359,8 +15359,8 @@
         </p:nvSpPr>
         <p:spPr>
           <a:xfrm>
-            <a:off x="378385" y="2090738"/>
-            <a:ext cx="4661400" cy="260969"/>
+            <a:off x="385108" y="3488373"/>
+            <a:ext cx="4661400" cy="326243"/>
           </a:xfrm>
         </p:spPr>
         <p:txBody>
@@ -15373,41 +15373,15 @@
             </a:r>
             <a:r>
               <a:rPr lang="de-DE" sz="1600" b="1" dirty="0"/>
-              <a:t>:</a:t>
+              <a:t> and Output:</a:t>
             </a:r>
+            <a:br>
+              <a:rPr lang="de-DE" sz="1600" b="1" dirty="0"/>
+            </a:br>
+            <a:endParaRPr lang="de-DE" sz="1600" b="1" dirty="0"/>
           </a:p>
         </p:txBody>
       </p:sp>
-      <p:pic>
-        <p:nvPicPr>
-          <p:cNvPr id="5" name="Grafik 4" descr="Ein Bild, das Text enthält.&#10;&#10;Automatisch generierte Beschreibung">
-            <a:extLst>
-              <a:ext uri="{FF2B5EF4-FFF2-40B4-BE49-F238E27FC236}">
-                <a16:creationId xmlns:a16="http://schemas.microsoft.com/office/drawing/2014/main" id="{661411D7-3D46-4C8E-C2A6-9116226E1A0D}"/>
-              </a:ext>
-            </a:extLst>
-          </p:cNvPr>
-          <p:cNvPicPr>
-            <a:picLocks noChangeAspect="1"/>
-          </p:cNvPicPr>
-          <p:nvPr/>
-        </p:nvPicPr>
-        <p:blipFill>
-          <a:blip r:embed="rId2"/>
-          <a:stretch>
-            <a:fillRect/>
-          </a:stretch>
-        </p:blipFill>
-        <p:spPr>
-          <a:xfrm>
-            <a:off x="250638" y="2552401"/>
-            <a:ext cx="6684810" cy="2010287"/>
-          </a:xfrm>
-          <a:prstGeom prst="rect">
-            <a:avLst/>
-          </a:prstGeom>
-        </p:spPr>
-      </p:pic>
       <p:sp>
         <p:nvSpPr>
           <p:cNvPr id="7" name="Titel 6">
@@ -15424,7 +15398,7 @@
         </p:nvSpPr>
         <p:spPr>
           <a:xfrm>
-            <a:off x="378385" y="342100"/>
+            <a:off x="385108" y="650142"/>
             <a:ext cx="4788154" cy="326243"/>
           </a:xfrm>
           <a:prstGeom prst="rect">
@@ -15688,10 +15662,9 @@
           </a:lstStyle>
           <a:p>
             <a:r>
-              <a:rPr lang="de-DE" sz="2000" b="1"/>
+              <a:rPr lang="de-DE" sz="2000" b="1" dirty="0"/>
               <a:t>JSON-Import</a:t>
             </a:r>
-            <a:endParaRPr lang="de-DE" sz="2000" b="1" dirty="0"/>
           </a:p>
         </p:txBody>
       </p:sp>
@@ -15713,8 +15686,8 @@
         </p:nvSpPr>
         <p:spPr>
           <a:xfrm>
-            <a:off x="250638" y="937400"/>
-            <a:ext cx="4368177" cy="701994"/>
+            <a:off x="250638" y="1335324"/>
+            <a:ext cx="3037167" cy="1382218"/>
           </a:xfrm>
           <a:prstGeom prst="rect">
             <a:avLst/>
@@ -15777,6 +15750,36 @@
           </a:p>
         </p:txBody>
       </p:sp>
+      <p:pic>
+        <p:nvPicPr>
+          <p:cNvPr id="6" name="Grafik 5" descr="Ein Bild, das Text enthält.&#10;&#10;Automatisch generierte Beschreibung">
+            <a:extLst>
+              <a:ext uri="{FF2B5EF4-FFF2-40B4-BE49-F238E27FC236}">
+                <a16:creationId xmlns:a16="http://schemas.microsoft.com/office/drawing/2014/main" id="{70CD4476-0162-6771-4614-8153DC2FC498}"/>
+              </a:ext>
+            </a:extLst>
+          </p:cNvPr>
+          <p:cNvPicPr>
+            <a:picLocks noChangeAspect="1"/>
+          </p:cNvPicPr>
+          <p:nvPr/>
+        </p:nvPicPr>
+        <p:blipFill>
+          <a:blip r:embed="rId2"/>
+          <a:stretch>
+            <a:fillRect/>
+          </a:stretch>
+        </p:blipFill>
+        <p:spPr>
+          <a:xfrm>
+            <a:off x="3554200" y="313326"/>
+            <a:ext cx="5339162" cy="4023350"/>
+          </a:xfrm>
+          <a:prstGeom prst="rect">
+            <a:avLst/>
+          </a:prstGeom>
+        </p:spPr>
+      </p:pic>
     </p:spTree>
     <p:extLst>
       <p:ext uri="{BB962C8B-B14F-4D97-AF65-F5344CB8AC3E}">

--- a/Pitch_G6_Louvre1.pptx
+++ b/Pitch_G6_Louvre1.pptx
@@ -6,7 +6,7 @@
     <p:sldMasterId id="2147483675" r:id="rId2"/>
   </p:sldMasterIdLst>
   <p:notesMasterIdLst>
-    <p:notesMasterId r:id="rId14"/>
+    <p:notesMasterId r:id="rId13"/>
   </p:notesMasterIdLst>
   <p:sldIdLst>
     <p:sldId id="256" r:id="rId3"/>
@@ -15,11 +15,10 @@
     <p:sldId id="267" r:id="rId6"/>
     <p:sldId id="259" r:id="rId7"/>
     <p:sldId id="269" r:id="rId8"/>
-    <p:sldId id="268" r:id="rId9"/>
-    <p:sldId id="260" r:id="rId10"/>
-    <p:sldId id="262" r:id="rId11"/>
-    <p:sldId id="263" r:id="rId12"/>
-    <p:sldId id="264" r:id="rId13"/>
+    <p:sldId id="260" r:id="rId9"/>
+    <p:sldId id="262" r:id="rId10"/>
+    <p:sldId id="263" r:id="rId11"/>
+    <p:sldId id="264" r:id="rId12"/>
   </p:sldIdLst>
   <p:sldSz cx="9144000" cy="5143500" type="screen16x9"/>
   <p:notesSz cx="6858000" cy="9144000"/>
@@ -13852,166 +13851,6 @@
   <p:cSld>
     <p:spTree>
       <p:nvGrpSpPr>
-        <p:cNvPr id="1" name="Shape 192"/>
-        <p:cNvGrpSpPr/>
-        <p:nvPr/>
-      </p:nvGrpSpPr>
-      <p:grpSpPr>
-        <a:xfrm>
-          <a:off x="0" y="0"/>
-          <a:ext cx="0" cy="0"/>
-          <a:chOff x="0" y="0"/>
-          <a:chExt cx="0" cy="0"/>
-        </a:xfrm>
-      </p:grpSpPr>
-      <p:pic>
-        <p:nvPicPr>
-          <p:cNvPr id="193" name="Google Shape;193;p36"/>
-          <p:cNvPicPr preferRelativeResize="0"/>
-          <p:nvPr/>
-        </p:nvPicPr>
-        <p:blipFill rotWithShape="1">
-          <a:blip r:embed="rId3">
-            <a:alphaModFix/>
-          </a:blip>
-          <a:srcRect/>
-          <a:stretch/>
-        </p:blipFill>
-        <p:spPr>
-          <a:xfrm>
-            <a:off x="0" y="-2250"/>
-            <a:ext cx="9144000" cy="2574000"/>
-          </a:xfrm>
-          <a:prstGeom prst="rect">
-            <a:avLst/>
-          </a:prstGeom>
-          <a:solidFill>
-            <a:schemeClr val="accent1">
-              <a:alpha val="60780"/>
-            </a:schemeClr>
-          </a:solidFill>
-          <a:ln>
-            <a:noFill/>
-          </a:ln>
-        </p:spPr>
-      </p:pic>
-      <p:sp>
-        <p:nvSpPr>
-          <p:cNvPr id="194" name="Google Shape;194;p36"/>
-          <p:cNvSpPr/>
-          <p:nvPr/>
-        </p:nvSpPr>
-        <p:spPr>
-          <a:xfrm>
-            <a:off x="0" y="-2250"/>
-            <a:ext cx="9144000" cy="2574000"/>
-          </a:xfrm>
-          <a:prstGeom prst="rect">
-            <a:avLst/>
-          </a:prstGeom>
-          <a:solidFill>
-            <a:schemeClr val="accent1">
-              <a:alpha val="60780"/>
-            </a:schemeClr>
-          </a:solidFill>
-          <a:ln>
-            <a:noFill/>
-          </a:ln>
-        </p:spPr>
-        <p:txBody>
-          <a:bodyPr spcFirstLastPara="1" wrap="square" lIns="91425" tIns="45700" rIns="91425" bIns="45700" anchor="ctr" anchorCtr="0">
-            <a:noAutofit/>
-          </a:bodyPr>
-          <a:lstStyle/>
-          <a:p>
-            <a:pPr marL="0" marR="0" lvl="0" indent="0" algn="ctr" rtl="0">
-              <a:spcBef>
-                <a:spcPts val="0"/>
-              </a:spcBef>
-              <a:spcAft>
-                <a:spcPts val="0"/>
-              </a:spcAft>
-              <a:buNone/>
-            </a:pPr>
-            <a:endParaRPr sz="1800" b="0" i="0" u="none" strike="noStrike" cap="none">
-              <a:solidFill>
-                <a:schemeClr val="lt1"/>
-              </a:solidFill>
-              <a:latin typeface="Calibri"/>
-              <a:ea typeface="Calibri"/>
-              <a:cs typeface="Calibri"/>
-              <a:sym typeface="Calibri"/>
-            </a:endParaRPr>
-          </a:p>
-        </p:txBody>
-      </p:sp>
-      <p:sp>
-        <p:nvSpPr>
-          <p:cNvPr id="195" name="Google Shape;195;p36"/>
-          <p:cNvSpPr txBox="1">
-            <a:spLocks noGrp="1"/>
-          </p:cNvSpPr>
-          <p:nvPr>
-            <p:ph type="title"/>
-          </p:nvPr>
-        </p:nvSpPr>
-        <p:spPr>
-          <a:xfrm>
-            <a:off x="539750" y="1011286"/>
-            <a:ext cx="4392000" cy="277200"/>
-          </a:xfrm>
-          <a:prstGeom prst="rect">
-            <a:avLst/>
-          </a:prstGeom>
-          <a:noFill/>
-          <a:ln>
-            <a:noFill/>
-          </a:ln>
-        </p:spPr>
-        <p:txBody>
-          <a:bodyPr spcFirstLastPara="1" wrap="square" lIns="0" tIns="0" rIns="0" bIns="0" anchor="t" anchorCtr="0">
-            <a:spAutoFit/>
-          </a:bodyPr>
-          <a:lstStyle/>
-          <a:p>
-            <a:pPr marL="0" lvl="0" indent="0" algn="l" rtl="0">
-              <a:lnSpc>
-                <a:spcPct val="106250"/>
-              </a:lnSpc>
-              <a:spcBef>
-                <a:spcPts val="0"/>
-              </a:spcBef>
-              <a:spcAft>
-                <a:spcPts val="0"/>
-              </a:spcAft>
-              <a:buClr>
-                <a:schemeClr val="lt1"/>
-              </a:buClr>
-              <a:buSzPts val="3200"/>
-              <a:buFont typeface="Arial"/>
-              <a:buNone/>
-            </a:pPr>
-            <a:r>
-              <a:rPr lang="en"/>
-              <a:t>Vielen Dank.</a:t>
-            </a:r>
-            <a:endParaRPr/>
-          </a:p>
-        </p:txBody>
-      </p:sp>
-    </p:spTree>
-  </p:cSld>
-  <p:clrMapOvr>
-    <a:masterClrMapping/>
-  </p:clrMapOvr>
-</p:sld>
-</file>
-
-<file path=ppt/slides/slide11.xml><?xml version="1.0" encoding="utf-8"?>
-<p:sld xmlns:a="http://schemas.openxmlformats.org/drawingml/2006/main" xmlns:r="http://schemas.openxmlformats.org/officeDocument/2006/relationships" xmlns:p="http://schemas.openxmlformats.org/presentationml/2006/main">
-  <p:cSld>
-    <p:spTree>
-      <p:nvGrpSpPr>
         <p:cNvPr id="1" name="Shape 199"/>
         <p:cNvGrpSpPr/>
         <p:nvPr/>
@@ -15798,352 +15637,6 @@
   <p:cSld>
     <p:spTree>
       <p:nvGrpSpPr>
-        <p:cNvPr id="1" name=""/>
-        <p:cNvGrpSpPr/>
-        <p:nvPr/>
-      </p:nvGrpSpPr>
-      <p:grpSpPr>
-        <a:xfrm>
-          <a:off x="0" y="0"/>
-          <a:ext cx="0" cy="0"/>
-          <a:chOff x="0" y="0"/>
-          <a:chExt cx="0" cy="0"/>
-        </a:xfrm>
-      </p:grpSpPr>
-      <p:pic>
-        <p:nvPicPr>
-          <p:cNvPr id="10" name="Grafik 9" descr="Ein Bild, das Text enthält.&#10;&#10;Automatisch generierte Beschreibung">
-            <a:extLst>
-              <a:ext uri="{FF2B5EF4-FFF2-40B4-BE49-F238E27FC236}">
-                <a16:creationId xmlns:a16="http://schemas.microsoft.com/office/drawing/2014/main" id="{A32C3AE6-6685-5B5D-B13F-30E900A489E3}"/>
-              </a:ext>
-            </a:extLst>
-          </p:cNvPr>
-          <p:cNvPicPr>
-            <a:picLocks noChangeAspect="1"/>
-          </p:cNvPicPr>
-          <p:nvPr/>
-        </p:nvPicPr>
-        <p:blipFill>
-          <a:blip r:embed="rId2"/>
-          <a:stretch>
-            <a:fillRect/>
-          </a:stretch>
-        </p:blipFill>
-        <p:spPr>
-          <a:xfrm>
-            <a:off x="739575" y="775078"/>
-            <a:ext cx="5339162" cy="4023350"/>
-          </a:xfrm>
-          <a:prstGeom prst="rect">
-            <a:avLst/>
-          </a:prstGeom>
-        </p:spPr>
-      </p:pic>
-      <p:sp>
-        <p:nvSpPr>
-          <p:cNvPr id="5" name="Titel 6">
-            <a:extLst>
-              <a:ext uri="{FF2B5EF4-FFF2-40B4-BE49-F238E27FC236}">
-                <a16:creationId xmlns:a16="http://schemas.microsoft.com/office/drawing/2014/main" id="{53CE3E37-537A-2615-CECD-1A7C4DBE6B09}"/>
-              </a:ext>
-            </a:extLst>
-          </p:cNvPr>
-          <p:cNvSpPr>
-            <a:spLocks noGrp="1"/>
-          </p:cNvSpPr>
-          <p:nvPr/>
-        </p:nvSpPr>
-        <p:spPr>
-          <a:xfrm>
-            <a:off x="739575" y="197155"/>
-            <a:ext cx="4788154" cy="326243"/>
-          </a:xfrm>
-          <a:prstGeom prst="rect">
-            <a:avLst/>
-          </a:prstGeom>
-          <a:noFill/>
-          <a:ln>
-            <a:noFill/>
-          </a:ln>
-        </p:spPr>
-        <p:txBody>
-          <a:bodyPr spcFirstLastPara="1" wrap="square" lIns="0" tIns="0" rIns="0" bIns="0" anchor="t" anchorCtr="0">
-            <a:spAutoFit/>
-          </a:bodyPr>
-          <a:lstStyle>
-            <a:defPPr marR="0" lvl="0" algn="l" rtl="0">
-              <a:lnSpc>
-                <a:spcPct val="100000"/>
-              </a:lnSpc>
-              <a:spcBef>
-                <a:spcPts val="0"/>
-              </a:spcBef>
-              <a:spcAft>
-                <a:spcPts val="0"/>
-              </a:spcAft>
-            </a:defPPr>
-            <a:lvl1pPr marR="0" lvl="0" algn="l" rtl="0">
-              <a:lnSpc>
-                <a:spcPct val="106250"/>
-              </a:lnSpc>
-              <a:spcBef>
-                <a:spcPts val="0"/>
-              </a:spcBef>
-              <a:spcAft>
-                <a:spcPts val="0"/>
-              </a:spcAft>
-              <a:buClr>
-                <a:schemeClr val="dk1"/>
-              </a:buClr>
-              <a:buSzPts val="3200"/>
-              <a:buFont typeface="Arial"/>
-              <a:buNone/>
-              <a:defRPr sz="1800" b="0" i="0" u="none" strike="noStrike" cap="none">
-                <a:solidFill>
-                  <a:srgbClr val="000000"/>
-                </a:solidFill>
-                <a:latin typeface="Arial"/>
-                <a:ea typeface="Arial"/>
-                <a:cs typeface="Arial"/>
-                <a:sym typeface="Arial"/>
-              </a:defRPr>
-            </a:lvl1pPr>
-            <a:lvl2pPr marR="0" lvl="1" algn="l" rtl="0">
-              <a:lnSpc>
-                <a:spcPct val="100000"/>
-              </a:lnSpc>
-              <a:spcBef>
-                <a:spcPts val="0"/>
-              </a:spcBef>
-              <a:spcAft>
-                <a:spcPts val="0"/>
-              </a:spcAft>
-              <a:buClr>
-                <a:srgbClr val="000000"/>
-              </a:buClr>
-              <a:buSzPts val="1400"/>
-              <a:buFont typeface="Arial"/>
-              <a:buNone/>
-              <a:defRPr sz="1800" b="0" i="0" u="none" strike="noStrike" cap="none">
-                <a:solidFill>
-                  <a:srgbClr val="000000"/>
-                </a:solidFill>
-                <a:latin typeface="Arial"/>
-                <a:ea typeface="Arial"/>
-                <a:cs typeface="Arial"/>
-                <a:sym typeface="Arial"/>
-              </a:defRPr>
-            </a:lvl2pPr>
-            <a:lvl3pPr marR="0" lvl="2" algn="l" rtl="0">
-              <a:lnSpc>
-                <a:spcPct val="100000"/>
-              </a:lnSpc>
-              <a:spcBef>
-                <a:spcPts val="0"/>
-              </a:spcBef>
-              <a:spcAft>
-                <a:spcPts val="0"/>
-              </a:spcAft>
-              <a:buClr>
-                <a:srgbClr val="000000"/>
-              </a:buClr>
-              <a:buSzPts val="1400"/>
-              <a:buFont typeface="Arial"/>
-              <a:buNone/>
-              <a:defRPr sz="1800" b="0" i="0" u="none" strike="noStrike" cap="none">
-                <a:solidFill>
-                  <a:srgbClr val="000000"/>
-                </a:solidFill>
-                <a:latin typeface="Arial"/>
-                <a:ea typeface="Arial"/>
-                <a:cs typeface="Arial"/>
-                <a:sym typeface="Arial"/>
-              </a:defRPr>
-            </a:lvl3pPr>
-            <a:lvl4pPr marR="0" lvl="3" algn="l" rtl="0">
-              <a:lnSpc>
-                <a:spcPct val="100000"/>
-              </a:lnSpc>
-              <a:spcBef>
-                <a:spcPts val="0"/>
-              </a:spcBef>
-              <a:spcAft>
-                <a:spcPts val="0"/>
-              </a:spcAft>
-              <a:buClr>
-                <a:srgbClr val="000000"/>
-              </a:buClr>
-              <a:buSzPts val="1400"/>
-              <a:buFont typeface="Arial"/>
-              <a:buNone/>
-              <a:defRPr sz="1800" b="0" i="0" u="none" strike="noStrike" cap="none">
-                <a:solidFill>
-                  <a:srgbClr val="000000"/>
-                </a:solidFill>
-                <a:latin typeface="Arial"/>
-                <a:ea typeface="Arial"/>
-                <a:cs typeface="Arial"/>
-                <a:sym typeface="Arial"/>
-              </a:defRPr>
-            </a:lvl4pPr>
-            <a:lvl5pPr marR="0" lvl="4" algn="l" rtl="0">
-              <a:lnSpc>
-                <a:spcPct val="100000"/>
-              </a:lnSpc>
-              <a:spcBef>
-                <a:spcPts val="0"/>
-              </a:spcBef>
-              <a:spcAft>
-                <a:spcPts val="0"/>
-              </a:spcAft>
-              <a:buClr>
-                <a:srgbClr val="000000"/>
-              </a:buClr>
-              <a:buSzPts val="1400"/>
-              <a:buFont typeface="Arial"/>
-              <a:buNone/>
-              <a:defRPr sz="1800" b="0" i="0" u="none" strike="noStrike" cap="none">
-                <a:solidFill>
-                  <a:srgbClr val="000000"/>
-                </a:solidFill>
-                <a:latin typeface="Arial"/>
-                <a:ea typeface="Arial"/>
-                <a:cs typeface="Arial"/>
-                <a:sym typeface="Arial"/>
-              </a:defRPr>
-            </a:lvl5pPr>
-            <a:lvl6pPr marR="0" lvl="5" algn="l" rtl="0">
-              <a:lnSpc>
-                <a:spcPct val="100000"/>
-              </a:lnSpc>
-              <a:spcBef>
-                <a:spcPts val="0"/>
-              </a:spcBef>
-              <a:spcAft>
-                <a:spcPts val="0"/>
-              </a:spcAft>
-              <a:buClr>
-                <a:srgbClr val="000000"/>
-              </a:buClr>
-              <a:buSzPts val="1400"/>
-              <a:buFont typeface="Arial"/>
-              <a:buNone/>
-              <a:defRPr sz="1800" b="0" i="0" u="none" strike="noStrike" cap="none">
-                <a:solidFill>
-                  <a:srgbClr val="000000"/>
-                </a:solidFill>
-                <a:latin typeface="Arial"/>
-                <a:ea typeface="Arial"/>
-                <a:cs typeface="Arial"/>
-                <a:sym typeface="Arial"/>
-              </a:defRPr>
-            </a:lvl6pPr>
-            <a:lvl7pPr marR="0" lvl="6" algn="l" rtl="0">
-              <a:lnSpc>
-                <a:spcPct val="100000"/>
-              </a:lnSpc>
-              <a:spcBef>
-                <a:spcPts val="0"/>
-              </a:spcBef>
-              <a:spcAft>
-                <a:spcPts val="0"/>
-              </a:spcAft>
-              <a:buClr>
-                <a:srgbClr val="000000"/>
-              </a:buClr>
-              <a:buSzPts val="1400"/>
-              <a:buFont typeface="Arial"/>
-              <a:buNone/>
-              <a:defRPr sz="1800" b="0" i="0" u="none" strike="noStrike" cap="none">
-                <a:solidFill>
-                  <a:srgbClr val="000000"/>
-                </a:solidFill>
-                <a:latin typeface="Arial"/>
-                <a:ea typeface="Arial"/>
-                <a:cs typeface="Arial"/>
-                <a:sym typeface="Arial"/>
-              </a:defRPr>
-            </a:lvl7pPr>
-            <a:lvl8pPr marR="0" lvl="7" algn="l" rtl="0">
-              <a:lnSpc>
-                <a:spcPct val="100000"/>
-              </a:lnSpc>
-              <a:spcBef>
-                <a:spcPts val="0"/>
-              </a:spcBef>
-              <a:spcAft>
-                <a:spcPts val="0"/>
-              </a:spcAft>
-              <a:buClr>
-                <a:srgbClr val="000000"/>
-              </a:buClr>
-              <a:buSzPts val="1400"/>
-              <a:buFont typeface="Arial"/>
-              <a:buNone/>
-              <a:defRPr sz="1800" b="0" i="0" u="none" strike="noStrike" cap="none">
-                <a:solidFill>
-                  <a:srgbClr val="000000"/>
-                </a:solidFill>
-                <a:latin typeface="Arial"/>
-                <a:ea typeface="Arial"/>
-                <a:cs typeface="Arial"/>
-                <a:sym typeface="Arial"/>
-              </a:defRPr>
-            </a:lvl8pPr>
-            <a:lvl9pPr marR="0" lvl="8" algn="l" rtl="0">
-              <a:lnSpc>
-                <a:spcPct val="100000"/>
-              </a:lnSpc>
-              <a:spcBef>
-                <a:spcPts val="0"/>
-              </a:spcBef>
-              <a:spcAft>
-                <a:spcPts val="0"/>
-              </a:spcAft>
-              <a:buClr>
-                <a:srgbClr val="000000"/>
-              </a:buClr>
-              <a:buSzPts val="1400"/>
-              <a:buFont typeface="Arial"/>
-              <a:buNone/>
-              <a:defRPr sz="1800" b="0" i="0" u="none" strike="noStrike" cap="none">
-                <a:solidFill>
-                  <a:srgbClr val="000000"/>
-                </a:solidFill>
-                <a:latin typeface="Arial"/>
-                <a:ea typeface="Arial"/>
-                <a:cs typeface="Arial"/>
-                <a:sym typeface="Arial"/>
-              </a:defRPr>
-            </a:lvl9pPr>
-          </a:lstStyle>
-          <a:p>
-            <a:r>
-              <a:rPr lang="de-DE" sz="2000" b="1" dirty="0"/>
-              <a:t>Output:</a:t>
-            </a:r>
-          </a:p>
-        </p:txBody>
-      </p:sp>
-    </p:spTree>
-    <p:extLst>
-      <p:ext uri="{BB962C8B-B14F-4D97-AF65-F5344CB8AC3E}">
-        <p14:creationId xmlns:p14="http://schemas.microsoft.com/office/powerpoint/2010/main" val="819627762"/>
-      </p:ext>
-    </p:extLst>
-  </p:cSld>
-  <p:clrMapOvr>
-    <a:masterClrMapping/>
-  </p:clrMapOvr>
-</p:sld>
-</file>
-
-<file path=ppt/slides/slide8.xml><?xml version="1.0" encoding="utf-8"?>
-<p:sld xmlns:a="http://schemas.openxmlformats.org/drawingml/2006/main" xmlns:r="http://schemas.openxmlformats.org/officeDocument/2006/relationships" xmlns:p="http://schemas.openxmlformats.org/presentationml/2006/main">
-  <p:cSld>
-    <p:spTree>
-      <p:nvGrpSpPr>
         <p:cNvPr id="1" name="Shape 162"/>
         <p:cNvGrpSpPr/>
         <p:nvPr/>
@@ -16258,7 +15751,7 @@
             </a:pPr>
             <a:fld id="{00000000-1234-1234-1234-123412341234}" type="slidenum">
               <a:rPr lang="en" sz="800"/>
-              <a:t>8</a:t>
+              <a:t>7</a:t>
             </a:fld>
             <a:endParaRPr sz="600"/>
           </a:p>
@@ -16482,7 +15975,7 @@
 </p:sld>
 </file>
 
-<file path=ppt/slides/slide9.xml><?xml version="1.0" encoding="utf-8"?>
+<file path=ppt/slides/slide8.xml><?xml version="1.0" encoding="utf-8"?>
 <p:sld xmlns:a="http://schemas.openxmlformats.org/drawingml/2006/main" xmlns:r="http://schemas.openxmlformats.org/officeDocument/2006/relationships" xmlns:p="http://schemas.openxmlformats.org/presentationml/2006/main">
   <p:cSld>
     <p:spTree>
@@ -16640,7 +16133,7 @@
             </a:pPr>
             <a:fld id="{00000000-1234-1234-1234-123412341234}" type="slidenum">
               <a:rPr lang="en" sz="800"/>
-              <a:t>9</a:t>
+              <a:t>8</a:t>
             </a:fld>
             <a:endParaRPr sz="600"/>
           </a:p>
@@ -17209,6 +16702,166 @@
               <a:rPr lang="de-DE" sz="1500" dirty="0"/>
               <a:t>Beginnen mit Codierung der Datenbank, Implementierung der Daten</a:t>
             </a:r>
+          </a:p>
+        </p:txBody>
+      </p:sp>
+    </p:spTree>
+  </p:cSld>
+  <p:clrMapOvr>
+    <a:masterClrMapping/>
+  </p:clrMapOvr>
+</p:sld>
+</file>
+
+<file path=ppt/slides/slide9.xml><?xml version="1.0" encoding="utf-8"?>
+<p:sld xmlns:a="http://schemas.openxmlformats.org/drawingml/2006/main" xmlns:r="http://schemas.openxmlformats.org/officeDocument/2006/relationships" xmlns:p="http://schemas.openxmlformats.org/presentationml/2006/main">
+  <p:cSld>
+    <p:spTree>
+      <p:nvGrpSpPr>
+        <p:cNvPr id="1" name="Shape 192"/>
+        <p:cNvGrpSpPr/>
+        <p:nvPr/>
+      </p:nvGrpSpPr>
+      <p:grpSpPr>
+        <a:xfrm>
+          <a:off x="0" y="0"/>
+          <a:ext cx="0" cy="0"/>
+          <a:chOff x="0" y="0"/>
+          <a:chExt cx="0" cy="0"/>
+        </a:xfrm>
+      </p:grpSpPr>
+      <p:pic>
+        <p:nvPicPr>
+          <p:cNvPr id="193" name="Google Shape;193;p36"/>
+          <p:cNvPicPr preferRelativeResize="0"/>
+          <p:nvPr/>
+        </p:nvPicPr>
+        <p:blipFill rotWithShape="1">
+          <a:blip r:embed="rId3">
+            <a:alphaModFix/>
+          </a:blip>
+          <a:srcRect/>
+          <a:stretch/>
+        </p:blipFill>
+        <p:spPr>
+          <a:xfrm>
+            <a:off x="0" y="-2250"/>
+            <a:ext cx="9144000" cy="2574000"/>
+          </a:xfrm>
+          <a:prstGeom prst="rect">
+            <a:avLst/>
+          </a:prstGeom>
+          <a:solidFill>
+            <a:schemeClr val="accent1">
+              <a:alpha val="60780"/>
+            </a:schemeClr>
+          </a:solidFill>
+          <a:ln>
+            <a:noFill/>
+          </a:ln>
+        </p:spPr>
+      </p:pic>
+      <p:sp>
+        <p:nvSpPr>
+          <p:cNvPr id="194" name="Google Shape;194;p36"/>
+          <p:cNvSpPr/>
+          <p:nvPr/>
+        </p:nvSpPr>
+        <p:spPr>
+          <a:xfrm>
+            <a:off x="0" y="-2250"/>
+            <a:ext cx="9144000" cy="2574000"/>
+          </a:xfrm>
+          <a:prstGeom prst="rect">
+            <a:avLst/>
+          </a:prstGeom>
+          <a:solidFill>
+            <a:schemeClr val="accent1">
+              <a:alpha val="60780"/>
+            </a:schemeClr>
+          </a:solidFill>
+          <a:ln>
+            <a:noFill/>
+          </a:ln>
+        </p:spPr>
+        <p:txBody>
+          <a:bodyPr spcFirstLastPara="1" wrap="square" lIns="91425" tIns="45700" rIns="91425" bIns="45700" anchor="ctr" anchorCtr="0">
+            <a:noAutofit/>
+          </a:bodyPr>
+          <a:lstStyle/>
+          <a:p>
+            <a:pPr marL="0" marR="0" lvl="0" indent="0" algn="ctr" rtl="0">
+              <a:spcBef>
+                <a:spcPts val="0"/>
+              </a:spcBef>
+              <a:spcAft>
+                <a:spcPts val="0"/>
+              </a:spcAft>
+              <a:buNone/>
+            </a:pPr>
+            <a:endParaRPr sz="1800" b="0" i="0" u="none" strike="noStrike" cap="none">
+              <a:solidFill>
+                <a:schemeClr val="lt1"/>
+              </a:solidFill>
+              <a:latin typeface="Calibri"/>
+              <a:ea typeface="Calibri"/>
+              <a:cs typeface="Calibri"/>
+              <a:sym typeface="Calibri"/>
+            </a:endParaRPr>
+          </a:p>
+        </p:txBody>
+      </p:sp>
+      <p:sp>
+        <p:nvSpPr>
+          <p:cNvPr id="195" name="Google Shape;195;p36"/>
+          <p:cNvSpPr txBox="1">
+            <a:spLocks noGrp="1"/>
+          </p:cNvSpPr>
+          <p:nvPr>
+            <p:ph type="title"/>
+          </p:nvPr>
+        </p:nvSpPr>
+        <p:spPr>
+          <a:xfrm>
+            <a:off x="539750" y="1011286"/>
+            <a:ext cx="4392000" cy="277200"/>
+          </a:xfrm>
+          <a:prstGeom prst="rect">
+            <a:avLst/>
+          </a:prstGeom>
+          <a:noFill/>
+          <a:ln>
+            <a:noFill/>
+          </a:ln>
+        </p:spPr>
+        <p:txBody>
+          <a:bodyPr spcFirstLastPara="1" wrap="square" lIns="0" tIns="0" rIns="0" bIns="0" anchor="t" anchorCtr="0">
+            <a:spAutoFit/>
+          </a:bodyPr>
+          <a:lstStyle/>
+          <a:p>
+            <a:pPr marL="0" lvl="0" indent="0" algn="l" rtl="0">
+              <a:lnSpc>
+                <a:spcPct val="106250"/>
+              </a:lnSpc>
+              <a:spcBef>
+                <a:spcPts val="0"/>
+              </a:spcBef>
+              <a:spcAft>
+                <a:spcPts val="0"/>
+              </a:spcAft>
+              <a:buClr>
+                <a:schemeClr val="lt1"/>
+              </a:buClr>
+              <a:buSzPts val="3200"/>
+              <a:buFont typeface="Arial"/>
+              <a:buNone/>
+            </a:pPr>
+            <a:r>
+              <a:rPr lang="en"/>
+              <a:t>Vielen Dank.</a:t>
+            </a:r>
+            <a:endParaRPr/>
           </a:p>
         </p:txBody>
       </p:sp>
